--- a/ipsj/figure/TLSF.pptx
+++ b/ipsj/figure/TLSF.pptx
@@ -2,19 +2,19 @@
 <file path=ppt/presentation.xml><?xml version="1.0" encoding="utf-8"?>
 <p:presentation xmlns:a="http://schemas.openxmlformats.org/drawingml/2006/main" xmlns:r="http://schemas.openxmlformats.org/officeDocument/2006/relationships" xmlns:p="http://schemas.openxmlformats.org/presentationml/2006/main" saveSubsetFonts="1">
   <p:sldMasterIdLst>
-    <p:sldMasterId id="2147483648" r:id="rId1"/>
+    <p:sldMasterId id="2147483660" r:id="rId1"/>
   </p:sldMasterIdLst>
   <p:sldIdLst>
     <p:sldId id="259" r:id="rId2"/>
   </p:sldIdLst>
-  <p:sldSz cx="12192000" cy="6858000"/>
+  <p:sldSz cx="12192000" cy="5364163"/>
   <p:notesSz cx="6858000" cy="9144000"/>
   <p:defaultTextStyle>
     <a:defPPr>
-      <a:defRPr lang="ja-JP"/>
+      <a:defRPr lang="en-US"/>
     </a:defPPr>
-    <a:lvl1pPr marL="0" algn="l" defTabSz="914400" rtl="0" eaLnBrk="1" latinLnBrk="0" hangingPunct="1">
-      <a:defRPr kumimoji="1" sz="1800" kern="1200">
+    <a:lvl1pPr marL="0" algn="l" defTabSz="457200" rtl="0" eaLnBrk="1" latinLnBrk="0" hangingPunct="1">
+      <a:defRPr sz="1800" kern="1200">
         <a:solidFill>
           <a:schemeClr val="tx1"/>
         </a:solidFill>
@@ -23,8 +23,8 @@
         <a:cs typeface="+mn-cs"/>
       </a:defRPr>
     </a:lvl1pPr>
-    <a:lvl2pPr marL="457200" algn="l" defTabSz="914400" rtl="0" eaLnBrk="1" latinLnBrk="0" hangingPunct="1">
-      <a:defRPr kumimoji="1" sz="1800" kern="1200">
+    <a:lvl2pPr marL="457200" algn="l" defTabSz="457200" rtl="0" eaLnBrk="1" latinLnBrk="0" hangingPunct="1">
+      <a:defRPr sz="1800" kern="1200">
         <a:solidFill>
           <a:schemeClr val="tx1"/>
         </a:solidFill>
@@ -33,8 +33,8 @@
         <a:cs typeface="+mn-cs"/>
       </a:defRPr>
     </a:lvl2pPr>
-    <a:lvl3pPr marL="914400" algn="l" defTabSz="914400" rtl="0" eaLnBrk="1" latinLnBrk="0" hangingPunct="1">
-      <a:defRPr kumimoji="1" sz="1800" kern="1200">
+    <a:lvl3pPr marL="914400" algn="l" defTabSz="457200" rtl="0" eaLnBrk="1" latinLnBrk="0" hangingPunct="1">
+      <a:defRPr sz="1800" kern="1200">
         <a:solidFill>
           <a:schemeClr val="tx1"/>
         </a:solidFill>
@@ -43,8 +43,8 @@
         <a:cs typeface="+mn-cs"/>
       </a:defRPr>
     </a:lvl3pPr>
-    <a:lvl4pPr marL="1371600" algn="l" defTabSz="914400" rtl="0" eaLnBrk="1" latinLnBrk="0" hangingPunct="1">
-      <a:defRPr kumimoji="1" sz="1800" kern="1200">
+    <a:lvl4pPr marL="1371600" algn="l" defTabSz="457200" rtl="0" eaLnBrk="1" latinLnBrk="0" hangingPunct="1">
+      <a:defRPr sz="1800" kern="1200">
         <a:solidFill>
           <a:schemeClr val="tx1"/>
         </a:solidFill>
@@ -53,8 +53,8 @@
         <a:cs typeface="+mn-cs"/>
       </a:defRPr>
     </a:lvl4pPr>
-    <a:lvl5pPr marL="1828800" algn="l" defTabSz="914400" rtl="0" eaLnBrk="1" latinLnBrk="0" hangingPunct="1">
-      <a:defRPr kumimoji="1" sz="1800" kern="1200">
+    <a:lvl5pPr marL="1828800" algn="l" defTabSz="457200" rtl="0" eaLnBrk="1" latinLnBrk="0" hangingPunct="1">
+      <a:defRPr sz="1800" kern="1200">
         <a:solidFill>
           <a:schemeClr val="tx1"/>
         </a:solidFill>
@@ -63,8 +63,8 @@
         <a:cs typeface="+mn-cs"/>
       </a:defRPr>
     </a:lvl5pPr>
-    <a:lvl6pPr marL="2286000" algn="l" defTabSz="914400" rtl="0" eaLnBrk="1" latinLnBrk="0" hangingPunct="1">
-      <a:defRPr kumimoji="1" sz="1800" kern="1200">
+    <a:lvl6pPr marL="2286000" algn="l" defTabSz="457200" rtl="0" eaLnBrk="1" latinLnBrk="0" hangingPunct="1">
+      <a:defRPr sz="1800" kern="1200">
         <a:solidFill>
           <a:schemeClr val="tx1"/>
         </a:solidFill>
@@ -73,8 +73,8 @@
         <a:cs typeface="+mn-cs"/>
       </a:defRPr>
     </a:lvl6pPr>
-    <a:lvl7pPr marL="2743200" algn="l" defTabSz="914400" rtl="0" eaLnBrk="1" latinLnBrk="0" hangingPunct="1">
-      <a:defRPr kumimoji="1" sz="1800" kern="1200">
+    <a:lvl7pPr marL="2743200" algn="l" defTabSz="457200" rtl="0" eaLnBrk="1" latinLnBrk="0" hangingPunct="1">
+      <a:defRPr sz="1800" kern="1200">
         <a:solidFill>
           <a:schemeClr val="tx1"/>
         </a:solidFill>
@@ -83,8 +83,8 @@
         <a:cs typeface="+mn-cs"/>
       </a:defRPr>
     </a:lvl7pPr>
-    <a:lvl8pPr marL="3200400" algn="l" defTabSz="914400" rtl="0" eaLnBrk="1" latinLnBrk="0" hangingPunct="1">
-      <a:defRPr kumimoji="1" sz="1800" kern="1200">
+    <a:lvl8pPr marL="3200400" algn="l" defTabSz="457200" rtl="0" eaLnBrk="1" latinLnBrk="0" hangingPunct="1">
+      <a:defRPr sz="1800" kern="1200">
         <a:solidFill>
           <a:schemeClr val="tx1"/>
         </a:solidFill>
@@ -93,8 +93,8 @@
         <a:cs typeface="+mn-cs"/>
       </a:defRPr>
     </a:lvl8pPr>
-    <a:lvl9pPr marL="3657600" algn="l" defTabSz="914400" rtl="0" eaLnBrk="1" latinLnBrk="0" hangingPunct="1">
-      <a:defRPr kumimoji="1" sz="1800" kern="1200">
+    <a:lvl9pPr marL="3657600" algn="l" defTabSz="457200" rtl="0" eaLnBrk="1" latinLnBrk="0" hangingPunct="1">
+      <a:defRPr sz="1800" kern="1200">
         <a:solidFill>
           <a:schemeClr val="tx1"/>
         </a:solidFill>
@@ -131,7 +131,7 @@
       </p:grpSpPr>
       <p:sp>
         <p:nvSpPr>
-          <p:cNvPr id="2" name="タイトル 1"/>
+          <p:cNvPr id="2" name="Title 1"/>
           <p:cNvSpPr>
             <a:spLocks noGrp="1"/>
           </p:cNvSpPr>
@@ -141,29 +141,29 @@
         </p:nvSpPr>
         <p:spPr>
           <a:xfrm>
-            <a:off x="1524000" y="1122363"/>
-            <a:ext cx="9144000" cy="2387600"/>
+            <a:off x="1524000" y="877886"/>
+            <a:ext cx="9144000" cy="1867523"/>
           </a:xfrm>
         </p:spPr>
         <p:txBody>
           <a:bodyPr anchor="b"/>
           <a:lstStyle>
             <a:lvl1pPr algn="ctr">
-              <a:defRPr sz="6000"/>
+              <a:defRPr sz="4693"/>
             </a:lvl1pPr>
           </a:lstStyle>
           <a:p>
             <a:r>
-              <a:rPr kumimoji="1" lang="ja-JP" altLang="en-US" smtClean="0"/>
+              <a:rPr lang="ja-JP" altLang="en-US" smtClean="0"/>
               <a:t>マスター タイトルの書式設定</a:t>
             </a:r>
-            <a:endParaRPr kumimoji="1" lang="ja-JP" altLang="en-US"/>
-          </a:p>
-        </p:txBody>
-      </p:sp>
-      <p:sp>
-        <p:nvSpPr>
-          <p:cNvPr id="3" name="サブタイトル 2"/>
+            <a:endParaRPr lang="en-US" dirty="0"/>
+          </a:p>
+        </p:txBody>
+      </p:sp>
+      <p:sp>
+        <p:nvSpPr>
+          <p:cNvPr id="3" name="Subtitle 2"/>
           <p:cNvSpPr>
             <a:spLocks noGrp="1"/>
           </p:cNvSpPr>
@@ -173,8 +173,8 @@
         </p:nvSpPr>
         <p:spPr>
           <a:xfrm>
-            <a:off x="1524000" y="3602038"/>
-            <a:ext cx="9144000" cy="1655762"/>
+            <a:off x="1524000" y="2817428"/>
+            <a:ext cx="9144000" cy="1295097"/>
           </a:xfrm>
         </p:spPr>
         <p:txBody>
@@ -182,53 +182,53 @@
           <a:lstStyle>
             <a:lvl1pPr marL="0" indent="0" algn="ctr">
               <a:buNone/>
-              <a:defRPr sz="2400"/>
+              <a:defRPr sz="1877"/>
             </a:lvl1pPr>
-            <a:lvl2pPr marL="457200" indent="0" algn="ctr">
-              <a:buNone/>
-              <a:defRPr sz="2000"/>
+            <a:lvl2pPr marL="357622" indent="0" algn="ctr">
+              <a:buNone/>
+              <a:defRPr sz="1564"/>
             </a:lvl2pPr>
-            <a:lvl3pPr marL="914400" indent="0" algn="ctr">
-              <a:buNone/>
-              <a:defRPr sz="1800"/>
+            <a:lvl3pPr marL="715244" indent="0" algn="ctr">
+              <a:buNone/>
+              <a:defRPr sz="1408"/>
             </a:lvl3pPr>
-            <a:lvl4pPr marL="1371600" indent="0" algn="ctr">
-              <a:buNone/>
-              <a:defRPr sz="1600"/>
+            <a:lvl4pPr marL="1072866" indent="0" algn="ctr">
+              <a:buNone/>
+              <a:defRPr sz="1252"/>
             </a:lvl4pPr>
-            <a:lvl5pPr marL="1828800" indent="0" algn="ctr">
-              <a:buNone/>
-              <a:defRPr sz="1600"/>
+            <a:lvl5pPr marL="1430487" indent="0" algn="ctr">
+              <a:buNone/>
+              <a:defRPr sz="1252"/>
             </a:lvl5pPr>
-            <a:lvl6pPr marL="2286000" indent="0" algn="ctr">
-              <a:buNone/>
-              <a:defRPr sz="1600"/>
+            <a:lvl6pPr marL="1788109" indent="0" algn="ctr">
+              <a:buNone/>
+              <a:defRPr sz="1252"/>
             </a:lvl6pPr>
-            <a:lvl7pPr marL="2743200" indent="0" algn="ctr">
-              <a:buNone/>
-              <a:defRPr sz="1600"/>
+            <a:lvl7pPr marL="2145731" indent="0" algn="ctr">
+              <a:buNone/>
+              <a:defRPr sz="1252"/>
             </a:lvl7pPr>
-            <a:lvl8pPr marL="3200400" indent="0" algn="ctr">
-              <a:buNone/>
-              <a:defRPr sz="1600"/>
+            <a:lvl8pPr marL="2503353" indent="0" algn="ctr">
+              <a:buNone/>
+              <a:defRPr sz="1252"/>
             </a:lvl8pPr>
-            <a:lvl9pPr marL="3657600" indent="0" algn="ctr">
-              <a:buNone/>
-              <a:defRPr sz="1600"/>
+            <a:lvl9pPr marL="2860975" indent="0" algn="ctr">
+              <a:buNone/>
+              <a:defRPr sz="1252"/>
             </a:lvl9pPr>
           </a:lstStyle>
           <a:p>
             <a:r>
-              <a:rPr kumimoji="1" lang="ja-JP" altLang="en-US" smtClean="0"/>
+              <a:rPr lang="ja-JP" altLang="en-US" smtClean="0"/>
               <a:t>マスター サブタイトルの書式設定</a:t>
             </a:r>
-            <a:endParaRPr kumimoji="1" lang="ja-JP" altLang="en-US"/>
-          </a:p>
-        </p:txBody>
-      </p:sp>
-      <p:sp>
-        <p:nvSpPr>
-          <p:cNvPr id="4" name="日付プレースホルダー 3"/>
+            <a:endParaRPr lang="en-US" dirty="0"/>
+          </a:p>
+        </p:txBody>
+      </p:sp>
+      <p:sp>
+        <p:nvSpPr>
+          <p:cNvPr id="4" name="Date Placeholder 3"/>
           <p:cNvSpPr>
             <a:spLocks noGrp="1"/>
           </p:cNvSpPr>
@@ -243,7 +243,7 @@
           <a:p>
             <a:fld id="{793083FE-F8B2-4577-9B92-6995EB3820F1}" type="datetimeFigureOut">
               <a:rPr kumimoji="1" lang="ja-JP" altLang="en-US" smtClean="0"/>
-              <a:t>2017/7/25</a:t>
+              <a:t>2017/11/16</a:t>
             </a:fld>
             <a:endParaRPr kumimoji="1" lang="ja-JP" altLang="en-US"/>
           </a:p>
@@ -251,7 +251,7 @@
       </p:sp>
       <p:sp>
         <p:nvSpPr>
-          <p:cNvPr id="5" name="フッター プレースホルダー 4"/>
+          <p:cNvPr id="5" name="Footer Placeholder 4"/>
           <p:cNvSpPr>
             <a:spLocks noGrp="1"/>
           </p:cNvSpPr>
@@ -270,7 +270,7 @@
       </p:sp>
       <p:sp>
         <p:nvSpPr>
-          <p:cNvPr id="6" name="スライド番号プレースホルダー 5"/>
+          <p:cNvPr id="6" name="Slide Number Placeholder 5"/>
           <p:cNvSpPr>
             <a:spLocks noGrp="1"/>
           </p:cNvSpPr>
@@ -294,7 +294,7 @@
     </p:spTree>
     <p:extLst>
       <p:ext uri="{BB962C8B-B14F-4D97-AF65-F5344CB8AC3E}">
-        <p14:creationId xmlns:p14="http://schemas.microsoft.com/office/powerpoint/2010/main" val="1910841763"/>
+        <p14:creationId xmlns:p14="http://schemas.microsoft.com/office/powerpoint/2010/main" val="3301901165"/>
       </p:ext>
     </p:extLst>
   </p:cSld>
@@ -323,7 +323,7 @@
       </p:grpSpPr>
       <p:sp>
         <p:nvSpPr>
-          <p:cNvPr id="2" name="タイトル 1"/>
+          <p:cNvPr id="2" name="Title 1"/>
           <p:cNvSpPr>
             <a:spLocks noGrp="1"/>
           </p:cNvSpPr>
@@ -337,16 +337,16 @@
           <a:lstStyle/>
           <a:p>
             <a:r>
-              <a:rPr kumimoji="1" lang="ja-JP" altLang="en-US" smtClean="0"/>
+              <a:rPr lang="ja-JP" altLang="en-US" smtClean="0"/>
               <a:t>マスター タイトルの書式設定</a:t>
             </a:r>
-            <a:endParaRPr kumimoji="1" lang="ja-JP" altLang="en-US"/>
-          </a:p>
-        </p:txBody>
-      </p:sp>
-      <p:sp>
-        <p:nvSpPr>
-          <p:cNvPr id="3" name="縦書きテキスト プレースホルダー 2"/>
+            <a:endParaRPr lang="en-US" dirty="0"/>
+          </a:p>
+        </p:txBody>
+      </p:sp>
+      <p:sp>
+        <p:nvSpPr>
+          <p:cNvPr id="3" name="Vertical Text Placeholder 2"/>
           <p:cNvSpPr>
             <a:spLocks noGrp="1"/>
           </p:cNvSpPr>
@@ -361,76 +361,76 @@
           <a:p>
             <a:pPr lvl="0"/>
             <a:r>
-              <a:rPr kumimoji="1" lang="ja-JP" altLang="en-US" smtClean="0"/>
+              <a:rPr lang="ja-JP" altLang="en-US" smtClean="0"/>
               <a:t>マスター テキストの書式設定</a:t>
             </a:r>
           </a:p>
           <a:p>
             <a:pPr lvl="1"/>
             <a:r>
-              <a:rPr kumimoji="1" lang="ja-JP" altLang="en-US" smtClean="0"/>
+              <a:rPr lang="ja-JP" altLang="en-US" smtClean="0"/>
               <a:t>第 </a:t>
             </a:r>
             <a:r>
-              <a:rPr kumimoji="1" lang="en-US" altLang="ja-JP" smtClean="0"/>
+              <a:rPr lang="en-US" altLang="ja-JP" smtClean="0"/>
               <a:t>2 </a:t>
             </a:r>
             <a:r>
-              <a:rPr kumimoji="1" lang="ja-JP" altLang="en-US" smtClean="0"/>
+              <a:rPr lang="ja-JP" altLang="en-US" smtClean="0"/>
               <a:t>レベル</a:t>
             </a:r>
           </a:p>
           <a:p>
             <a:pPr lvl="2"/>
             <a:r>
-              <a:rPr kumimoji="1" lang="ja-JP" altLang="en-US" smtClean="0"/>
+              <a:rPr lang="ja-JP" altLang="en-US" smtClean="0"/>
               <a:t>第 </a:t>
             </a:r>
             <a:r>
-              <a:rPr kumimoji="1" lang="en-US" altLang="ja-JP" smtClean="0"/>
+              <a:rPr lang="en-US" altLang="ja-JP" smtClean="0"/>
               <a:t>3 </a:t>
             </a:r>
             <a:r>
-              <a:rPr kumimoji="1" lang="ja-JP" altLang="en-US" smtClean="0"/>
+              <a:rPr lang="ja-JP" altLang="en-US" smtClean="0"/>
               <a:t>レベル</a:t>
             </a:r>
           </a:p>
           <a:p>
             <a:pPr lvl="3"/>
             <a:r>
-              <a:rPr kumimoji="1" lang="ja-JP" altLang="en-US" smtClean="0"/>
+              <a:rPr lang="ja-JP" altLang="en-US" smtClean="0"/>
               <a:t>第 </a:t>
             </a:r>
             <a:r>
-              <a:rPr kumimoji="1" lang="en-US" altLang="ja-JP" smtClean="0"/>
+              <a:rPr lang="en-US" altLang="ja-JP" smtClean="0"/>
               <a:t>4 </a:t>
             </a:r>
             <a:r>
-              <a:rPr kumimoji="1" lang="ja-JP" altLang="en-US" smtClean="0"/>
+              <a:rPr lang="ja-JP" altLang="en-US" smtClean="0"/>
               <a:t>レベル</a:t>
             </a:r>
           </a:p>
           <a:p>
             <a:pPr lvl="4"/>
             <a:r>
-              <a:rPr kumimoji="1" lang="ja-JP" altLang="en-US" smtClean="0"/>
+              <a:rPr lang="ja-JP" altLang="en-US" smtClean="0"/>
               <a:t>第 </a:t>
             </a:r>
             <a:r>
-              <a:rPr kumimoji="1" lang="en-US" altLang="ja-JP" smtClean="0"/>
+              <a:rPr lang="en-US" altLang="ja-JP" smtClean="0"/>
               <a:t>5 </a:t>
             </a:r>
             <a:r>
-              <a:rPr kumimoji="1" lang="ja-JP" altLang="en-US" smtClean="0"/>
+              <a:rPr lang="ja-JP" altLang="en-US" smtClean="0"/>
               <a:t>レベル</a:t>
             </a:r>
-            <a:endParaRPr kumimoji="1" lang="ja-JP" altLang="en-US"/>
-          </a:p>
-        </p:txBody>
-      </p:sp>
-      <p:sp>
-        <p:nvSpPr>
-          <p:cNvPr id="4" name="日付プレースホルダー 3"/>
+            <a:endParaRPr lang="en-US" dirty="0"/>
+          </a:p>
+        </p:txBody>
+      </p:sp>
+      <p:sp>
+        <p:nvSpPr>
+          <p:cNvPr id="4" name="Date Placeholder 3"/>
           <p:cNvSpPr>
             <a:spLocks noGrp="1"/>
           </p:cNvSpPr>
@@ -445,7 +445,7 @@
           <a:p>
             <a:fld id="{793083FE-F8B2-4577-9B92-6995EB3820F1}" type="datetimeFigureOut">
               <a:rPr kumimoji="1" lang="ja-JP" altLang="en-US" smtClean="0"/>
-              <a:t>2017/7/25</a:t>
+              <a:t>2017/11/16</a:t>
             </a:fld>
             <a:endParaRPr kumimoji="1" lang="ja-JP" altLang="en-US"/>
           </a:p>
@@ -453,7 +453,7 @@
       </p:sp>
       <p:sp>
         <p:nvSpPr>
-          <p:cNvPr id="5" name="フッター プレースホルダー 4"/>
+          <p:cNvPr id="5" name="Footer Placeholder 4"/>
           <p:cNvSpPr>
             <a:spLocks noGrp="1"/>
           </p:cNvSpPr>
@@ -472,7 +472,7 @@
       </p:sp>
       <p:sp>
         <p:nvSpPr>
-          <p:cNvPr id="6" name="スライド番号プレースホルダー 5"/>
+          <p:cNvPr id="6" name="Slide Number Placeholder 5"/>
           <p:cNvSpPr>
             <a:spLocks noGrp="1"/>
           </p:cNvSpPr>
@@ -496,7 +496,7 @@
     </p:spTree>
     <p:extLst>
       <p:ext uri="{BB962C8B-B14F-4D97-AF65-F5344CB8AC3E}">
-        <p14:creationId xmlns:p14="http://schemas.microsoft.com/office/powerpoint/2010/main" val="419820785"/>
+        <p14:creationId xmlns:p14="http://schemas.microsoft.com/office/powerpoint/2010/main" val="3486378907"/>
       </p:ext>
     </p:extLst>
   </p:cSld>
@@ -525,7 +525,7 @@
       </p:grpSpPr>
       <p:sp>
         <p:nvSpPr>
-          <p:cNvPr id="2" name="縦書きタイトル 1"/>
+          <p:cNvPr id="2" name="Vertical Title 1"/>
           <p:cNvSpPr>
             <a:spLocks noGrp="1"/>
           </p:cNvSpPr>
@@ -535,8 +535,8 @@
         </p:nvSpPr>
         <p:spPr>
           <a:xfrm>
-            <a:off x="8724900" y="365125"/>
-            <a:ext cx="2628900" cy="5811838"/>
+            <a:off x="8724900" y="285592"/>
+            <a:ext cx="2628900" cy="4545880"/>
           </a:xfrm>
         </p:spPr>
         <p:txBody>
@@ -544,16 +544,16 @@
           <a:lstStyle/>
           <a:p>
             <a:r>
-              <a:rPr kumimoji="1" lang="ja-JP" altLang="en-US" smtClean="0"/>
+              <a:rPr lang="ja-JP" altLang="en-US" smtClean="0"/>
               <a:t>マスター タイトルの書式設定</a:t>
             </a:r>
-            <a:endParaRPr kumimoji="1" lang="ja-JP" altLang="en-US"/>
-          </a:p>
-        </p:txBody>
-      </p:sp>
-      <p:sp>
-        <p:nvSpPr>
-          <p:cNvPr id="3" name="縦書きテキスト プレースホルダー 2"/>
+            <a:endParaRPr lang="en-US" dirty="0"/>
+          </a:p>
+        </p:txBody>
+      </p:sp>
+      <p:sp>
+        <p:nvSpPr>
+          <p:cNvPr id="3" name="Vertical Text Placeholder 2"/>
           <p:cNvSpPr>
             <a:spLocks noGrp="1"/>
           </p:cNvSpPr>
@@ -563,8 +563,8 @@
         </p:nvSpPr>
         <p:spPr>
           <a:xfrm>
-            <a:off x="838200" y="365125"/>
-            <a:ext cx="7734300" cy="5811838"/>
+            <a:off x="838200" y="285592"/>
+            <a:ext cx="7734300" cy="4545880"/>
           </a:xfrm>
         </p:spPr>
         <p:txBody>
@@ -573,76 +573,76 @@
           <a:p>
             <a:pPr lvl="0"/>
             <a:r>
-              <a:rPr kumimoji="1" lang="ja-JP" altLang="en-US" smtClean="0"/>
+              <a:rPr lang="ja-JP" altLang="en-US" smtClean="0"/>
               <a:t>マスター テキストの書式設定</a:t>
             </a:r>
           </a:p>
           <a:p>
             <a:pPr lvl="1"/>
             <a:r>
-              <a:rPr kumimoji="1" lang="ja-JP" altLang="en-US" smtClean="0"/>
+              <a:rPr lang="ja-JP" altLang="en-US" smtClean="0"/>
               <a:t>第 </a:t>
             </a:r>
             <a:r>
-              <a:rPr kumimoji="1" lang="en-US" altLang="ja-JP" smtClean="0"/>
+              <a:rPr lang="en-US" altLang="ja-JP" smtClean="0"/>
               <a:t>2 </a:t>
             </a:r>
             <a:r>
-              <a:rPr kumimoji="1" lang="ja-JP" altLang="en-US" smtClean="0"/>
+              <a:rPr lang="ja-JP" altLang="en-US" smtClean="0"/>
               <a:t>レベル</a:t>
             </a:r>
           </a:p>
           <a:p>
             <a:pPr lvl="2"/>
             <a:r>
-              <a:rPr kumimoji="1" lang="ja-JP" altLang="en-US" smtClean="0"/>
+              <a:rPr lang="ja-JP" altLang="en-US" smtClean="0"/>
               <a:t>第 </a:t>
             </a:r>
             <a:r>
-              <a:rPr kumimoji="1" lang="en-US" altLang="ja-JP" smtClean="0"/>
+              <a:rPr lang="en-US" altLang="ja-JP" smtClean="0"/>
               <a:t>3 </a:t>
             </a:r>
             <a:r>
-              <a:rPr kumimoji="1" lang="ja-JP" altLang="en-US" smtClean="0"/>
+              <a:rPr lang="ja-JP" altLang="en-US" smtClean="0"/>
               <a:t>レベル</a:t>
             </a:r>
           </a:p>
           <a:p>
             <a:pPr lvl="3"/>
             <a:r>
-              <a:rPr kumimoji="1" lang="ja-JP" altLang="en-US" smtClean="0"/>
+              <a:rPr lang="ja-JP" altLang="en-US" smtClean="0"/>
               <a:t>第 </a:t>
             </a:r>
             <a:r>
-              <a:rPr kumimoji="1" lang="en-US" altLang="ja-JP" smtClean="0"/>
+              <a:rPr lang="en-US" altLang="ja-JP" smtClean="0"/>
               <a:t>4 </a:t>
             </a:r>
             <a:r>
-              <a:rPr kumimoji="1" lang="ja-JP" altLang="en-US" smtClean="0"/>
+              <a:rPr lang="ja-JP" altLang="en-US" smtClean="0"/>
               <a:t>レベル</a:t>
             </a:r>
           </a:p>
           <a:p>
             <a:pPr lvl="4"/>
             <a:r>
-              <a:rPr kumimoji="1" lang="ja-JP" altLang="en-US" smtClean="0"/>
+              <a:rPr lang="ja-JP" altLang="en-US" smtClean="0"/>
               <a:t>第 </a:t>
             </a:r>
             <a:r>
-              <a:rPr kumimoji="1" lang="en-US" altLang="ja-JP" smtClean="0"/>
+              <a:rPr lang="en-US" altLang="ja-JP" smtClean="0"/>
               <a:t>5 </a:t>
             </a:r>
             <a:r>
-              <a:rPr kumimoji="1" lang="ja-JP" altLang="en-US" smtClean="0"/>
+              <a:rPr lang="ja-JP" altLang="en-US" smtClean="0"/>
               <a:t>レベル</a:t>
             </a:r>
-            <a:endParaRPr kumimoji="1" lang="ja-JP" altLang="en-US"/>
-          </a:p>
-        </p:txBody>
-      </p:sp>
-      <p:sp>
-        <p:nvSpPr>
-          <p:cNvPr id="4" name="日付プレースホルダー 3"/>
+            <a:endParaRPr lang="en-US" dirty="0"/>
+          </a:p>
+        </p:txBody>
+      </p:sp>
+      <p:sp>
+        <p:nvSpPr>
+          <p:cNvPr id="4" name="Date Placeholder 3"/>
           <p:cNvSpPr>
             <a:spLocks noGrp="1"/>
           </p:cNvSpPr>
@@ -657,7 +657,7 @@
           <a:p>
             <a:fld id="{793083FE-F8B2-4577-9B92-6995EB3820F1}" type="datetimeFigureOut">
               <a:rPr kumimoji="1" lang="ja-JP" altLang="en-US" smtClean="0"/>
-              <a:t>2017/7/25</a:t>
+              <a:t>2017/11/16</a:t>
             </a:fld>
             <a:endParaRPr kumimoji="1" lang="ja-JP" altLang="en-US"/>
           </a:p>
@@ -665,7 +665,7 @@
       </p:sp>
       <p:sp>
         <p:nvSpPr>
-          <p:cNvPr id="5" name="フッター プレースホルダー 4"/>
+          <p:cNvPr id="5" name="Footer Placeholder 4"/>
           <p:cNvSpPr>
             <a:spLocks noGrp="1"/>
           </p:cNvSpPr>
@@ -684,7 +684,7 @@
       </p:sp>
       <p:sp>
         <p:nvSpPr>
-          <p:cNvPr id="6" name="スライド番号プレースホルダー 5"/>
+          <p:cNvPr id="6" name="Slide Number Placeholder 5"/>
           <p:cNvSpPr>
             <a:spLocks noGrp="1"/>
           </p:cNvSpPr>
@@ -708,7 +708,7 @@
     </p:spTree>
     <p:extLst>
       <p:ext uri="{BB962C8B-B14F-4D97-AF65-F5344CB8AC3E}">
-        <p14:creationId xmlns:p14="http://schemas.microsoft.com/office/powerpoint/2010/main" val="2389041137"/>
+        <p14:creationId xmlns:p14="http://schemas.microsoft.com/office/powerpoint/2010/main" val="1442115138"/>
       </p:ext>
     </p:extLst>
   </p:cSld>
@@ -737,7 +737,7 @@
       </p:grpSpPr>
       <p:sp>
         <p:nvSpPr>
-          <p:cNvPr id="2" name="タイトル 1"/>
+          <p:cNvPr id="2" name="Title 1"/>
           <p:cNvSpPr>
             <a:spLocks noGrp="1"/>
           </p:cNvSpPr>
@@ -751,16 +751,16 @@
           <a:lstStyle/>
           <a:p>
             <a:r>
-              <a:rPr kumimoji="1" lang="ja-JP" altLang="en-US" smtClean="0"/>
+              <a:rPr lang="ja-JP" altLang="en-US" smtClean="0"/>
               <a:t>マスター タイトルの書式設定</a:t>
             </a:r>
-            <a:endParaRPr kumimoji="1" lang="ja-JP" altLang="en-US"/>
-          </a:p>
-        </p:txBody>
-      </p:sp>
-      <p:sp>
-        <p:nvSpPr>
-          <p:cNvPr id="3" name="コンテンツ プレースホルダー 2"/>
+            <a:endParaRPr lang="en-US" dirty="0"/>
+          </a:p>
+        </p:txBody>
+      </p:sp>
+      <p:sp>
+        <p:nvSpPr>
+          <p:cNvPr id="3" name="Content Placeholder 2"/>
           <p:cNvSpPr>
             <a:spLocks noGrp="1"/>
           </p:cNvSpPr>
@@ -775,76 +775,76 @@
           <a:p>
             <a:pPr lvl="0"/>
             <a:r>
-              <a:rPr kumimoji="1" lang="ja-JP" altLang="en-US" smtClean="0"/>
+              <a:rPr lang="ja-JP" altLang="en-US" smtClean="0"/>
               <a:t>マスター テキストの書式設定</a:t>
             </a:r>
           </a:p>
           <a:p>
             <a:pPr lvl="1"/>
             <a:r>
-              <a:rPr kumimoji="1" lang="ja-JP" altLang="en-US" smtClean="0"/>
+              <a:rPr lang="ja-JP" altLang="en-US" smtClean="0"/>
               <a:t>第 </a:t>
             </a:r>
             <a:r>
-              <a:rPr kumimoji="1" lang="en-US" altLang="ja-JP" smtClean="0"/>
+              <a:rPr lang="en-US" altLang="ja-JP" smtClean="0"/>
               <a:t>2 </a:t>
             </a:r>
             <a:r>
-              <a:rPr kumimoji="1" lang="ja-JP" altLang="en-US" smtClean="0"/>
+              <a:rPr lang="ja-JP" altLang="en-US" smtClean="0"/>
               <a:t>レベル</a:t>
             </a:r>
           </a:p>
           <a:p>
             <a:pPr lvl="2"/>
             <a:r>
-              <a:rPr kumimoji="1" lang="ja-JP" altLang="en-US" smtClean="0"/>
+              <a:rPr lang="ja-JP" altLang="en-US" smtClean="0"/>
               <a:t>第 </a:t>
             </a:r>
             <a:r>
-              <a:rPr kumimoji="1" lang="en-US" altLang="ja-JP" smtClean="0"/>
+              <a:rPr lang="en-US" altLang="ja-JP" smtClean="0"/>
               <a:t>3 </a:t>
             </a:r>
             <a:r>
-              <a:rPr kumimoji="1" lang="ja-JP" altLang="en-US" smtClean="0"/>
+              <a:rPr lang="ja-JP" altLang="en-US" smtClean="0"/>
               <a:t>レベル</a:t>
             </a:r>
           </a:p>
           <a:p>
             <a:pPr lvl="3"/>
             <a:r>
-              <a:rPr kumimoji="1" lang="ja-JP" altLang="en-US" smtClean="0"/>
+              <a:rPr lang="ja-JP" altLang="en-US" smtClean="0"/>
               <a:t>第 </a:t>
             </a:r>
             <a:r>
-              <a:rPr kumimoji="1" lang="en-US" altLang="ja-JP" smtClean="0"/>
+              <a:rPr lang="en-US" altLang="ja-JP" smtClean="0"/>
               <a:t>4 </a:t>
             </a:r>
             <a:r>
-              <a:rPr kumimoji="1" lang="ja-JP" altLang="en-US" smtClean="0"/>
+              <a:rPr lang="ja-JP" altLang="en-US" smtClean="0"/>
               <a:t>レベル</a:t>
             </a:r>
           </a:p>
           <a:p>
             <a:pPr lvl="4"/>
             <a:r>
-              <a:rPr kumimoji="1" lang="ja-JP" altLang="en-US" smtClean="0"/>
+              <a:rPr lang="ja-JP" altLang="en-US" smtClean="0"/>
               <a:t>第 </a:t>
             </a:r>
             <a:r>
-              <a:rPr kumimoji="1" lang="en-US" altLang="ja-JP" smtClean="0"/>
+              <a:rPr lang="en-US" altLang="ja-JP" smtClean="0"/>
               <a:t>5 </a:t>
             </a:r>
             <a:r>
-              <a:rPr kumimoji="1" lang="ja-JP" altLang="en-US" smtClean="0"/>
+              <a:rPr lang="ja-JP" altLang="en-US" smtClean="0"/>
               <a:t>レベル</a:t>
             </a:r>
-            <a:endParaRPr kumimoji="1" lang="ja-JP" altLang="en-US"/>
-          </a:p>
-        </p:txBody>
-      </p:sp>
-      <p:sp>
-        <p:nvSpPr>
-          <p:cNvPr id="4" name="日付プレースホルダー 3"/>
+            <a:endParaRPr lang="en-US" dirty="0"/>
+          </a:p>
+        </p:txBody>
+      </p:sp>
+      <p:sp>
+        <p:nvSpPr>
+          <p:cNvPr id="4" name="Date Placeholder 3"/>
           <p:cNvSpPr>
             <a:spLocks noGrp="1"/>
           </p:cNvSpPr>
@@ -859,7 +859,7 @@
           <a:p>
             <a:fld id="{793083FE-F8B2-4577-9B92-6995EB3820F1}" type="datetimeFigureOut">
               <a:rPr kumimoji="1" lang="ja-JP" altLang="en-US" smtClean="0"/>
-              <a:t>2017/7/25</a:t>
+              <a:t>2017/11/16</a:t>
             </a:fld>
             <a:endParaRPr kumimoji="1" lang="ja-JP" altLang="en-US"/>
           </a:p>
@@ -867,7 +867,7 @@
       </p:sp>
       <p:sp>
         <p:nvSpPr>
-          <p:cNvPr id="5" name="フッター プレースホルダー 4"/>
+          <p:cNvPr id="5" name="Footer Placeholder 4"/>
           <p:cNvSpPr>
             <a:spLocks noGrp="1"/>
           </p:cNvSpPr>
@@ -886,7 +886,7 @@
       </p:sp>
       <p:sp>
         <p:nvSpPr>
-          <p:cNvPr id="6" name="スライド番号プレースホルダー 5"/>
+          <p:cNvPr id="6" name="Slide Number Placeholder 5"/>
           <p:cNvSpPr>
             <a:spLocks noGrp="1"/>
           </p:cNvSpPr>
@@ -910,7 +910,7 @@
     </p:spTree>
     <p:extLst>
       <p:ext uri="{BB962C8B-B14F-4D97-AF65-F5344CB8AC3E}">
-        <p14:creationId xmlns:p14="http://schemas.microsoft.com/office/powerpoint/2010/main" val="1138132558"/>
+        <p14:creationId xmlns:p14="http://schemas.microsoft.com/office/powerpoint/2010/main" val="3343085421"/>
       </p:ext>
     </p:extLst>
   </p:cSld>
@@ -939,7 +939,7 @@
       </p:grpSpPr>
       <p:sp>
         <p:nvSpPr>
-          <p:cNvPr id="2" name="タイトル 1"/>
+          <p:cNvPr id="2" name="Title 1"/>
           <p:cNvSpPr>
             <a:spLocks noGrp="1"/>
           </p:cNvSpPr>
@@ -949,29 +949,29 @@
         </p:nvSpPr>
         <p:spPr>
           <a:xfrm>
-            <a:off x="831850" y="1709738"/>
-            <a:ext cx="10515600" cy="2852737"/>
+            <a:off x="831850" y="1337317"/>
+            <a:ext cx="10515600" cy="2231342"/>
           </a:xfrm>
         </p:spPr>
         <p:txBody>
           <a:bodyPr anchor="b"/>
           <a:lstStyle>
             <a:lvl1pPr>
-              <a:defRPr sz="6000"/>
+              <a:defRPr sz="4693"/>
             </a:lvl1pPr>
           </a:lstStyle>
           <a:p>
             <a:r>
-              <a:rPr kumimoji="1" lang="ja-JP" altLang="en-US" smtClean="0"/>
+              <a:rPr lang="ja-JP" altLang="en-US" smtClean="0"/>
               <a:t>マスター タイトルの書式設定</a:t>
             </a:r>
-            <a:endParaRPr kumimoji="1" lang="ja-JP" altLang="en-US"/>
-          </a:p>
-        </p:txBody>
-      </p:sp>
-      <p:sp>
-        <p:nvSpPr>
-          <p:cNvPr id="3" name="テキスト プレースホルダー 2"/>
+            <a:endParaRPr lang="en-US" dirty="0"/>
+          </a:p>
+        </p:txBody>
+      </p:sp>
+      <p:sp>
+        <p:nvSpPr>
+          <p:cNvPr id="3" name="Text Placeholder 2"/>
           <p:cNvSpPr>
             <a:spLocks noGrp="1"/>
           </p:cNvSpPr>
@@ -981,8 +981,8 @@
         </p:nvSpPr>
         <p:spPr>
           <a:xfrm>
-            <a:off x="831850" y="4589463"/>
-            <a:ext cx="10515600" cy="1500187"/>
+            <a:off x="831850" y="3589768"/>
+            <a:ext cx="10515600" cy="1173410"/>
           </a:xfrm>
         </p:spPr>
         <p:txBody>
@@ -990,7 +990,7 @@
           <a:lstStyle>
             <a:lvl1pPr marL="0" indent="0">
               <a:buNone/>
-              <a:defRPr sz="2400">
+              <a:defRPr sz="1877">
                 <a:solidFill>
                   <a:schemeClr val="tx1">
                     <a:tint val="75000"/>
@@ -998,9 +998,9 @@
                 </a:solidFill>
               </a:defRPr>
             </a:lvl1pPr>
-            <a:lvl2pPr marL="457200" indent="0">
-              <a:buNone/>
-              <a:defRPr sz="2000">
+            <a:lvl2pPr marL="357622" indent="0">
+              <a:buNone/>
+              <a:defRPr sz="1564">
                 <a:solidFill>
                   <a:schemeClr val="tx1">
                     <a:tint val="75000"/>
@@ -1008,9 +1008,9 @@
                 </a:solidFill>
               </a:defRPr>
             </a:lvl2pPr>
-            <a:lvl3pPr marL="914400" indent="0">
-              <a:buNone/>
-              <a:defRPr sz="1800">
+            <a:lvl3pPr marL="715244" indent="0">
+              <a:buNone/>
+              <a:defRPr sz="1408">
                 <a:solidFill>
                   <a:schemeClr val="tx1">
                     <a:tint val="75000"/>
@@ -1018,9 +1018,9 @@
                 </a:solidFill>
               </a:defRPr>
             </a:lvl3pPr>
-            <a:lvl4pPr marL="1371600" indent="0">
-              <a:buNone/>
-              <a:defRPr sz="1600">
+            <a:lvl4pPr marL="1072866" indent="0">
+              <a:buNone/>
+              <a:defRPr sz="1252">
                 <a:solidFill>
                   <a:schemeClr val="tx1">
                     <a:tint val="75000"/>
@@ -1028,9 +1028,9 @@
                 </a:solidFill>
               </a:defRPr>
             </a:lvl4pPr>
-            <a:lvl5pPr marL="1828800" indent="0">
-              <a:buNone/>
-              <a:defRPr sz="1600">
+            <a:lvl5pPr marL="1430487" indent="0">
+              <a:buNone/>
+              <a:defRPr sz="1252">
                 <a:solidFill>
                   <a:schemeClr val="tx1">
                     <a:tint val="75000"/>
@@ -1038,9 +1038,9 @@
                 </a:solidFill>
               </a:defRPr>
             </a:lvl5pPr>
-            <a:lvl6pPr marL="2286000" indent="0">
-              <a:buNone/>
-              <a:defRPr sz="1600">
+            <a:lvl6pPr marL="1788109" indent="0">
+              <a:buNone/>
+              <a:defRPr sz="1252">
                 <a:solidFill>
                   <a:schemeClr val="tx1">
                     <a:tint val="75000"/>
@@ -1048,9 +1048,9 @@
                 </a:solidFill>
               </a:defRPr>
             </a:lvl6pPr>
-            <a:lvl7pPr marL="2743200" indent="0">
-              <a:buNone/>
-              <a:defRPr sz="1600">
+            <a:lvl7pPr marL="2145731" indent="0">
+              <a:buNone/>
+              <a:defRPr sz="1252">
                 <a:solidFill>
                   <a:schemeClr val="tx1">
                     <a:tint val="75000"/>
@@ -1058,9 +1058,9 @@
                 </a:solidFill>
               </a:defRPr>
             </a:lvl7pPr>
-            <a:lvl8pPr marL="3200400" indent="0">
-              <a:buNone/>
-              <a:defRPr sz="1600">
+            <a:lvl8pPr marL="2503353" indent="0">
+              <a:buNone/>
+              <a:defRPr sz="1252">
                 <a:solidFill>
                   <a:schemeClr val="tx1">
                     <a:tint val="75000"/>
@@ -1068,9 +1068,9 @@
                 </a:solidFill>
               </a:defRPr>
             </a:lvl8pPr>
-            <a:lvl9pPr marL="3657600" indent="0">
-              <a:buNone/>
-              <a:defRPr sz="1600">
+            <a:lvl9pPr marL="2860975" indent="0">
+              <a:buNone/>
+              <a:defRPr sz="1252">
                 <a:solidFill>
                   <a:schemeClr val="tx1">
                     <a:tint val="75000"/>
@@ -1082,7 +1082,7 @@
           <a:p>
             <a:pPr lvl="0"/>
             <a:r>
-              <a:rPr kumimoji="1" lang="ja-JP" altLang="en-US" smtClean="0"/>
+              <a:rPr lang="ja-JP" altLang="en-US" smtClean="0"/>
               <a:t>マスター テキストの書式設定</a:t>
             </a:r>
           </a:p>
@@ -1090,7 +1090,7 @@
       </p:sp>
       <p:sp>
         <p:nvSpPr>
-          <p:cNvPr id="4" name="日付プレースホルダー 3"/>
+          <p:cNvPr id="4" name="Date Placeholder 3"/>
           <p:cNvSpPr>
             <a:spLocks noGrp="1"/>
           </p:cNvSpPr>
@@ -1105,7 +1105,7 @@
           <a:p>
             <a:fld id="{793083FE-F8B2-4577-9B92-6995EB3820F1}" type="datetimeFigureOut">
               <a:rPr kumimoji="1" lang="ja-JP" altLang="en-US" smtClean="0"/>
-              <a:t>2017/7/25</a:t>
+              <a:t>2017/11/16</a:t>
             </a:fld>
             <a:endParaRPr kumimoji="1" lang="ja-JP" altLang="en-US"/>
           </a:p>
@@ -1113,7 +1113,7 @@
       </p:sp>
       <p:sp>
         <p:nvSpPr>
-          <p:cNvPr id="5" name="フッター プレースホルダー 4"/>
+          <p:cNvPr id="5" name="Footer Placeholder 4"/>
           <p:cNvSpPr>
             <a:spLocks noGrp="1"/>
           </p:cNvSpPr>
@@ -1132,7 +1132,7 @@
       </p:sp>
       <p:sp>
         <p:nvSpPr>
-          <p:cNvPr id="6" name="スライド番号プレースホルダー 5"/>
+          <p:cNvPr id="6" name="Slide Number Placeholder 5"/>
           <p:cNvSpPr>
             <a:spLocks noGrp="1"/>
           </p:cNvSpPr>
@@ -1156,7 +1156,7 @@
     </p:spTree>
     <p:extLst>
       <p:ext uri="{BB962C8B-B14F-4D97-AF65-F5344CB8AC3E}">
-        <p14:creationId xmlns:p14="http://schemas.microsoft.com/office/powerpoint/2010/main" val="609657834"/>
+        <p14:creationId xmlns:p14="http://schemas.microsoft.com/office/powerpoint/2010/main" val="2505322020"/>
       </p:ext>
     </p:extLst>
   </p:cSld>
@@ -1185,7 +1185,7 @@
       </p:grpSpPr>
       <p:sp>
         <p:nvSpPr>
-          <p:cNvPr id="2" name="タイトル 1"/>
+          <p:cNvPr id="2" name="Title 1"/>
           <p:cNvSpPr>
             <a:spLocks noGrp="1"/>
           </p:cNvSpPr>
@@ -1199,16 +1199,16 @@
           <a:lstStyle/>
           <a:p>
             <a:r>
-              <a:rPr kumimoji="1" lang="ja-JP" altLang="en-US" smtClean="0"/>
+              <a:rPr lang="ja-JP" altLang="en-US" smtClean="0"/>
               <a:t>マスター タイトルの書式設定</a:t>
             </a:r>
-            <a:endParaRPr kumimoji="1" lang="ja-JP" altLang="en-US"/>
-          </a:p>
-        </p:txBody>
-      </p:sp>
-      <p:sp>
-        <p:nvSpPr>
-          <p:cNvPr id="3" name="コンテンツ プレースホルダー 2"/>
+            <a:endParaRPr lang="en-US" dirty="0"/>
+          </a:p>
+        </p:txBody>
+      </p:sp>
+      <p:sp>
+        <p:nvSpPr>
+          <p:cNvPr id="3" name="Content Placeholder 2"/>
           <p:cNvSpPr>
             <a:spLocks noGrp="1"/>
           </p:cNvSpPr>
@@ -1218,8 +1218,8 @@
         </p:nvSpPr>
         <p:spPr>
           <a:xfrm>
-            <a:off x="838200" y="1825625"/>
-            <a:ext cx="5181600" cy="4351338"/>
+            <a:off x="838200" y="1427960"/>
+            <a:ext cx="5181600" cy="3403512"/>
           </a:xfrm>
         </p:spPr>
         <p:txBody>
@@ -1228,76 +1228,76 @@
           <a:p>
             <a:pPr lvl="0"/>
             <a:r>
-              <a:rPr kumimoji="1" lang="ja-JP" altLang="en-US" smtClean="0"/>
+              <a:rPr lang="ja-JP" altLang="en-US" smtClean="0"/>
               <a:t>マスター テキストの書式設定</a:t>
             </a:r>
           </a:p>
           <a:p>
             <a:pPr lvl="1"/>
             <a:r>
-              <a:rPr kumimoji="1" lang="ja-JP" altLang="en-US" smtClean="0"/>
+              <a:rPr lang="ja-JP" altLang="en-US" smtClean="0"/>
               <a:t>第 </a:t>
             </a:r>
             <a:r>
-              <a:rPr kumimoji="1" lang="en-US" altLang="ja-JP" smtClean="0"/>
+              <a:rPr lang="en-US" altLang="ja-JP" smtClean="0"/>
               <a:t>2 </a:t>
             </a:r>
             <a:r>
-              <a:rPr kumimoji="1" lang="ja-JP" altLang="en-US" smtClean="0"/>
+              <a:rPr lang="ja-JP" altLang="en-US" smtClean="0"/>
               <a:t>レベル</a:t>
             </a:r>
           </a:p>
           <a:p>
             <a:pPr lvl="2"/>
             <a:r>
-              <a:rPr kumimoji="1" lang="ja-JP" altLang="en-US" smtClean="0"/>
+              <a:rPr lang="ja-JP" altLang="en-US" smtClean="0"/>
               <a:t>第 </a:t>
             </a:r>
             <a:r>
-              <a:rPr kumimoji="1" lang="en-US" altLang="ja-JP" smtClean="0"/>
+              <a:rPr lang="en-US" altLang="ja-JP" smtClean="0"/>
               <a:t>3 </a:t>
             </a:r>
             <a:r>
-              <a:rPr kumimoji="1" lang="ja-JP" altLang="en-US" smtClean="0"/>
+              <a:rPr lang="ja-JP" altLang="en-US" smtClean="0"/>
               <a:t>レベル</a:t>
             </a:r>
           </a:p>
           <a:p>
             <a:pPr lvl="3"/>
             <a:r>
-              <a:rPr kumimoji="1" lang="ja-JP" altLang="en-US" smtClean="0"/>
+              <a:rPr lang="ja-JP" altLang="en-US" smtClean="0"/>
               <a:t>第 </a:t>
             </a:r>
             <a:r>
-              <a:rPr kumimoji="1" lang="en-US" altLang="ja-JP" smtClean="0"/>
+              <a:rPr lang="en-US" altLang="ja-JP" smtClean="0"/>
               <a:t>4 </a:t>
             </a:r>
             <a:r>
-              <a:rPr kumimoji="1" lang="ja-JP" altLang="en-US" smtClean="0"/>
+              <a:rPr lang="ja-JP" altLang="en-US" smtClean="0"/>
               <a:t>レベル</a:t>
             </a:r>
           </a:p>
           <a:p>
             <a:pPr lvl="4"/>
             <a:r>
-              <a:rPr kumimoji="1" lang="ja-JP" altLang="en-US" smtClean="0"/>
+              <a:rPr lang="ja-JP" altLang="en-US" smtClean="0"/>
               <a:t>第 </a:t>
             </a:r>
             <a:r>
-              <a:rPr kumimoji="1" lang="en-US" altLang="ja-JP" smtClean="0"/>
+              <a:rPr lang="en-US" altLang="ja-JP" smtClean="0"/>
               <a:t>5 </a:t>
             </a:r>
             <a:r>
-              <a:rPr kumimoji="1" lang="ja-JP" altLang="en-US" smtClean="0"/>
+              <a:rPr lang="ja-JP" altLang="en-US" smtClean="0"/>
               <a:t>レベル</a:t>
             </a:r>
-            <a:endParaRPr kumimoji="1" lang="ja-JP" altLang="en-US"/>
-          </a:p>
-        </p:txBody>
-      </p:sp>
-      <p:sp>
-        <p:nvSpPr>
-          <p:cNvPr id="4" name="コンテンツ プレースホルダー 3"/>
+            <a:endParaRPr lang="en-US" dirty="0"/>
+          </a:p>
+        </p:txBody>
+      </p:sp>
+      <p:sp>
+        <p:nvSpPr>
+          <p:cNvPr id="4" name="Content Placeholder 3"/>
           <p:cNvSpPr>
             <a:spLocks noGrp="1"/>
           </p:cNvSpPr>
@@ -1307,8 +1307,8 @@
         </p:nvSpPr>
         <p:spPr>
           <a:xfrm>
-            <a:off x="6172200" y="1825625"/>
-            <a:ext cx="5181600" cy="4351338"/>
+            <a:off x="6172200" y="1427960"/>
+            <a:ext cx="5181600" cy="3403512"/>
           </a:xfrm>
         </p:spPr>
         <p:txBody>
@@ -1317,76 +1317,76 @@
           <a:p>
             <a:pPr lvl="0"/>
             <a:r>
-              <a:rPr kumimoji="1" lang="ja-JP" altLang="en-US" smtClean="0"/>
+              <a:rPr lang="ja-JP" altLang="en-US" smtClean="0"/>
               <a:t>マスター テキストの書式設定</a:t>
             </a:r>
           </a:p>
           <a:p>
             <a:pPr lvl="1"/>
             <a:r>
-              <a:rPr kumimoji="1" lang="ja-JP" altLang="en-US" smtClean="0"/>
+              <a:rPr lang="ja-JP" altLang="en-US" smtClean="0"/>
               <a:t>第 </a:t>
             </a:r>
             <a:r>
-              <a:rPr kumimoji="1" lang="en-US" altLang="ja-JP" smtClean="0"/>
+              <a:rPr lang="en-US" altLang="ja-JP" smtClean="0"/>
               <a:t>2 </a:t>
             </a:r>
             <a:r>
-              <a:rPr kumimoji="1" lang="ja-JP" altLang="en-US" smtClean="0"/>
+              <a:rPr lang="ja-JP" altLang="en-US" smtClean="0"/>
               <a:t>レベル</a:t>
             </a:r>
           </a:p>
           <a:p>
             <a:pPr lvl="2"/>
             <a:r>
-              <a:rPr kumimoji="1" lang="ja-JP" altLang="en-US" smtClean="0"/>
+              <a:rPr lang="ja-JP" altLang="en-US" smtClean="0"/>
               <a:t>第 </a:t>
             </a:r>
             <a:r>
-              <a:rPr kumimoji="1" lang="en-US" altLang="ja-JP" smtClean="0"/>
+              <a:rPr lang="en-US" altLang="ja-JP" smtClean="0"/>
               <a:t>3 </a:t>
             </a:r>
             <a:r>
-              <a:rPr kumimoji="1" lang="ja-JP" altLang="en-US" smtClean="0"/>
+              <a:rPr lang="ja-JP" altLang="en-US" smtClean="0"/>
               <a:t>レベル</a:t>
             </a:r>
           </a:p>
           <a:p>
             <a:pPr lvl="3"/>
             <a:r>
-              <a:rPr kumimoji="1" lang="ja-JP" altLang="en-US" smtClean="0"/>
+              <a:rPr lang="ja-JP" altLang="en-US" smtClean="0"/>
               <a:t>第 </a:t>
             </a:r>
             <a:r>
-              <a:rPr kumimoji="1" lang="en-US" altLang="ja-JP" smtClean="0"/>
+              <a:rPr lang="en-US" altLang="ja-JP" smtClean="0"/>
               <a:t>4 </a:t>
             </a:r>
             <a:r>
-              <a:rPr kumimoji="1" lang="ja-JP" altLang="en-US" smtClean="0"/>
+              <a:rPr lang="ja-JP" altLang="en-US" smtClean="0"/>
               <a:t>レベル</a:t>
             </a:r>
           </a:p>
           <a:p>
             <a:pPr lvl="4"/>
             <a:r>
-              <a:rPr kumimoji="1" lang="ja-JP" altLang="en-US" smtClean="0"/>
+              <a:rPr lang="ja-JP" altLang="en-US" smtClean="0"/>
               <a:t>第 </a:t>
             </a:r>
             <a:r>
-              <a:rPr kumimoji="1" lang="en-US" altLang="ja-JP" smtClean="0"/>
+              <a:rPr lang="en-US" altLang="ja-JP" smtClean="0"/>
               <a:t>5 </a:t>
             </a:r>
             <a:r>
-              <a:rPr kumimoji="1" lang="ja-JP" altLang="en-US" smtClean="0"/>
+              <a:rPr lang="ja-JP" altLang="en-US" smtClean="0"/>
               <a:t>レベル</a:t>
             </a:r>
-            <a:endParaRPr kumimoji="1" lang="ja-JP" altLang="en-US"/>
-          </a:p>
-        </p:txBody>
-      </p:sp>
-      <p:sp>
-        <p:nvSpPr>
-          <p:cNvPr id="5" name="日付プレースホルダー 4"/>
+            <a:endParaRPr lang="en-US" dirty="0"/>
+          </a:p>
+        </p:txBody>
+      </p:sp>
+      <p:sp>
+        <p:nvSpPr>
+          <p:cNvPr id="5" name="Date Placeholder 4"/>
           <p:cNvSpPr>
             <a:spLocks noGrp="1"/>
           </p:cNvSpPr>
@@ -1401,7 +1401,7 @@
           <a:p>
             <a:fld id="{793083FE-F8B2-4577-9B92-6995EB3820F1}" type="datetimeFigureOut">
               <a:rPr kumimoji="1" lang="ja-JP" altLang="en-US" smtClean="0"/>
-              <a:t>2017/7/25</a:t>
+              <a:t>2017/11/16</a:t>
             </a:fld>
             <a:endParaRPr kumimoji="1" lang="ja-JP" altLang="en-US"/>
           </a:p>
@@ -1409,7 +1409,7 @@
       </p:sp>
       <p:sp>
         <p:nvSpPr>
-          <p:cNvPr id="6" name="フッター プレースホルダー 5"/>
+          <p:cNvPr id="6" name="Footer Placeholder 5"/>
           <p:cNvSpPr>
             <a:spLocks noGrp="1"/>
           </p:cNvSpPr>
@@ -1428,7 +1428,7 @@
       </p:sp>
       <p:sp>
         <p:nvSpPr>
-          <p:cNvPr id="7" name="スライド番号プレースホルダー 6"/>
+          <p:cNvPr id="7" name="Slide Number Placeholder 6"/>
           <p:cNvSpPr>
             <a:spLocks noGrp="1"/>
           </p:cNvSpPr>
@@ -1452,7 +1452,7 @@
     </p:spTree>
     <p:extLst>
       <p:ext uri="{BB962C8B-B14F-4D97-AF65-F5344CB8AC3E}">
-        <p14:creationId xmlns:p14="http://schemas.microsoft.com/office/powerpoint/2010/main" val="2232048626"/>
+        <p14:creationId xmlns:p14="http://schemas.microsoft.com/office/powerpoint/2010/main" val="3593173683"/>
       </p:ext>
     </p:extLst>
   </p:cSld>
@@ -1481,7 +1481,7 @@
       </p:grpSpPr>
       <p:sp>
         <p:nvSpPr>
-          <p:cNvPr id="2" name="タイトル 1"/>
+          <p:cNvPr id="2" name="Title 1"/>
           <p:cNvSpPr>
             <a:spLocks noGrp="1"/>
           </p:cNvSpPr>
@@ -1491,8 +1491,8 @@
         </p:nvSpPr>
         <p:spPr>
           <a:xfrm>
-            <a:off x="839788" y="365125"/>
-            <a:ext cx="10515600" cy="1325563"/>
+            <a:off x="839788" y="285592"/>
+            <a:ext cx="10515600" cy="1036824"/>
           </a:xfrm>
         </p:spPr>
         <p:txBody>
@@ -1500,16 +1500,16 @@
           <a:lstStyle/>
           <a:p>
             <a:r>
-              <a:rPr kumimoji="1" lang="ja-JP" altLang="en-US" smtClean="0"/>
+              <a:rPr lang="ja-JP" altLang="en-US" smtClean="0"/>
               <a:t>マスター タイトルの書式設定</a:t>
             </a:r>
-            <a:endParaRPr kumimoji="1" lang="ja-JP" altLang="en-US"/>
-          </a:p>
-        </p:txBody>
-      </p:sp>
-      <p:sp>
-        <p:nvSpPr>
-          <p:cNvPr id="3" name="テキスト プレースホルダー 2"/>
+            <a:endParaRPr lang="en-US" dirty="0"/>
+          </a:p>
+        </p:txBody>
+      </p:sp>
+      <p:sp>
+        <p:nvSpPr>
+          <p:cNvPr id="3" name="Text Placeholder 2"/>
           <p:cNvSpPr>
             <a:spLocks noGrp="1"/>
           </p:cNvSpPr>
@@ -1519,8 +1519,8 @@
         </p:nvSpPr>
         <p:spPr>
           <a:xfrm>
-            <a:off x="839788" y="1681163"/>
-            <a:ext cx="5157787" cy="823912"/>
+            <a:off x="839789" y="1314965"/>
+            <a:ext cx="5157787" cy="644444"/>
           </a:xfrm>
         </p:spPr>
         <p:txBody>
@@ -1528,45 +1528,45 @@
           <a:lstStyle>
             <a:lvl1pPr marL="0" indent="0">
               <a:buNone/>
-              <a:defRPr sz="2400" b="1"/>
+              <a:defRPr sz="1877" b="1"/>
             </a:lvl1pPr>
-            <a:lvl2pPr marL="457200" indent="0">
-              <a:buNone/>
-              <a:defRPr sz="2000" b="1"/>
+            <a:lvl2pPr marL="357622" indent="0">
+              <a:buNone/>
+              <a:defRPr sz="1564" b="1"/>
             </a:lvl2pPr>
-            <a:lvl3pPr marL="914400" indent="0">
-              <a:buNone/>
-              <a:defRPr sz="1800" b="1"/>
+            <a:lvl3pPr marL="715244" indent="0">
+              <a:buNone/>
+              <a:defRPr sz="1408" b="1"/>
             </a:lvl3pPr>
-            <a:lvl4pPr marL="1371600" indent="0">
-              <a:buNone/>
-              <a:defRPr sz="1600" b="1"/>
+            <a:lvl4pPr marL="1072866" indent="0">
+              <a:buNone/>
+              <a:defRPr sz="1252" b="1"/>
             </a:lvl4pPr>
-            <a:lvl5pPr marL="1828800" indent="0">
-              <a:buNone/>
-              <a:defRPr sz="1600" b="1"/>
+            <a:lvl5pPr marL="1430487" indent="0">
+              <a:buNone/>
+              <a:defRPr sz="1252" b="1"/>
             </a:lvl5pPr>
-            <a:lvl6pPr marL="2286000" indent="0">
-              <a:buNone/>
-              <a:defRPr sz="1600" b="1"/>
+            <a:lvl6pPr marL="1788109" indent="0">
+              <a:buNone/>
+              <a:defRPr sz="1252" b="1"/>
             </a:lvl6pPr>
-            <a:lvl7pPr marL="2743200" indent="0">
-              <a:buNone/>
-              <a:defRPr sz="1600" b="1"/>
+            <a:lvl7pPr marL="2145731" indent="0">
+              <a:buNone/>
+              <a:defRPr sz="1252" b="1"/>
             </a:lvl7pPr>
-            <a:lvl8pPr marL="3200400" indent="0">
-              <a:buNone/>
-              <a:defRPr sz="1600" b="1"/>
+            <a:lvl8pPr marL="2503353" indent="0">
+              <a:buNone/>
+              <a:defRPr sz="1252" b="1"/>
             </a:lvl8pPr>
-            <a:lvl9pPr marL="3657600" indent="0">
-              <a:buNone/>
-              <a:defRPr sz="1600" b="1"/>
+            <a:lvl9pPr marL="2860975" indent="0">
+              <a:buNone/>
+              <a:defRPr sz="1252" b="1"/>
             </a:lvl9pPr>
           </a:lstStyle>
           <a:p>
             <a:pPr lvl="0"/>
             <a:r>
-              <a:rPr kumimoji="1" lang="ja-JP" altLang="en-US" smtClean="0"/>
+              <a:rPr lang="ja-JP" altLang="en-US" smtClean="0"/>
               <a:t>マスター テキストの書式設定</a:t>
             </a:r>
           </a:p>
@@ -1574,7 +1574,7 @@
       </p:sp>
       <p:sp>
         <p:nvSpPr>
-          <p:cNvPr id="4" name="コンテンツ プレースホルダー 3"/>
+          <p:cNvPr id="4" name="Content Placeholder 3"/>
           <p:cNvSpPr>
             <a:spLocks noGrp="1"/>
           </p:cNvSpPr>
@@ -1584,8 +1584,8 @@
         </p:nvSpPr>
         <p:spPr>
           <a:xfrm>
-            <a:off x="839788" y="2505075"/>
-            <a:ext cx="5157787" cy="3684588"/>
+            <a:off x="839789" y="1959410"/>
+            <a:ext cx="5157787" cy="2881996"/>
           </a:xfrm>
         </p:spPr>
         <p:txBody>
@@ -1594,76 +1594,76 @@
           <a:p>
             <a:pPr lvl="0"/>
             <a:r>
-              <a:rPr kumimoji="1" lang="ja-JP" altLang="en-US" smtClean="0"/>
+              <a:rPr lang="ja-JP" altLang="en-US" smtClean="0"/>
               <a:t>マスター テキストの書式設定</a:t>
             </a:r>
           </a:p>
           <a:p>
             <a:pPr lvl="1"/>
             <a:r>
-              <a:rPr kumimoji="1" lang="ja-JP" altLang="en-US" smtClean="0"/>
+              <a:rPr lang="ja-JP" altLang="en-US" smtClean="0"/>
               <a:t>第 </a:t>
             </a:r>
             <a:r>
-              <a:rPr kumimoji="1" lang="en-US" altLang="ja-JP" smtClean="0"/>
+              <a:rPr lang="en-US" altLang="ja-JP" smtClean="0"/>
               <a:t>2 </a:t>
             </a:r>
             <a:r>
-              <a:rPr kumimoji="1" lang="ja-JP" altLang="en-US" smtClean="0"/>
+              <a:rPr lang="ja-JP" altLang="en-US" smtClean="0"/>
               <a:t>レベル</a:t>
             </a:r>
           </a:p>
           <a:p>
             <a:pPr lvl="2"/>
             <a:r>
-              <a:rPr kumimoji="1" lang="ja-JP" altLang="en-US" smtClean="0"/>
+              <a:rPr lang="ja-JP" altLang="en-US" smtClean="0"/>
               <a:t>第 </a:t>
             </a:r>
             <a:r>
-              <a:rPr kumimoji="1" lang="en-US" altLang="ja-JP" smtClean="0"/>
+              <a:rPr lang="en-US" altLang="ja-JP" smtClean="0"/>
               <a:t>3 </a:t>
             </a:r>
             <a:r>
-              <a:rPr kumimoji="1" lang="ja-JP" altLang="en-US" smtClean="0"/>
+              <a:rPr lang="ja-JP" altLang="en-US" smtClean="0"/>
               <a:t>レベル</a:t>
             </a:r>
           </a:p>
           <a:p>
             <a:pPr lvl="3"/>
             <a:r>
-              <a:rPr kumimoji="1" lang="ja-JP" altLang="en-US" smtClean="0"/>
+              <a:rPr lang="ja-JP" altLang="en-US" smtClean="0"/>
               <a:t>第 </a:t>
             </a:r>
             <a:r>
-              <a:rPr kumimoji="1" lang="en-US" altLang="ja-JP" smtClean="0"/>
+              <a:rPr lang="en-US" altLang="ja-JP" smtClean="0"/>
               <a:t>4 </a:t>
             </a:r>
             <a:r>
-              <a:rPr kumimoji="1" lang="ja-JP" altLang="en-US" smtClean="0"/>
+              <a:rPr lang="ja-JP" altLang="en-US" smtClean="0"/>
               <a:t>レベル</a:t>
             </a:r>
           </a:p>
           <a:p>
             <a:pPr lvl="4"/>
             <a:r>
-              <a:rPr kumimoji="1" lang="ja-JP" altLang="en-US" smtClean="0"/>
+              <a:rPr lang="ja-JP" altLang="en-US" smtClean="0"/>
               <a:t>第 </a:t>
             </a:r>
             <a:r>
-              <a:rPr kumimoji="1" lang="en-US" altLang="ja-JP" smtClean="0"/>
+              <a:rPr lang="en-US" altLang="ja-JP" smtClean="0"/>
               <a:t>5 </a:t>
             </a:r>
             <a:r>
-              <a:rPr kumimoji="1" lang="ja-JP" altLang="en-US" smtClean="0"/>
+              <a:rPr lang="ja-JP" altLang="en-US" smtClean="0"/>
               <a:t>レベル</a:t>
             </a:r>
-            <a:endParaRPr kumimoji="1" lang="ja-JP" altLang="en-US"/>
-          </a:p>
-        </p:txBody>
-      </p:sp>
-      <p:sp>
-        <p:nvSpPr>
-          <p:cNvPr id="5" name="テキスト プレースホルダー 4"/>
+            <a:endParaRPr lang="en-US" dirty="0"/>
+          </a:p>
+        </p:txBody>
+      </p:sp>
+      <p:sp>
+        <p:nvSpPr>
+          <p:cNvPr id="5" name="Text Placeholder 4"/>
           <p:cNvSpPr>
             <a:spLocks noGrp="1"/>
           </p:cNvSpPr>
@@ -1673,8 +1673,8 @@
         </p:nvSpPr>
         <p:spPr>
           <a:xfrm>
-            <a:off x="6172200" y="1681163"/>
-            <a:ext cx="5183188" cy="823912"/>
+            <a:off x="6172200" y="1314965"/>
+            <a:ext cx="5183188" cy="644444"/>
           </a:xfrm>
         </p:spPr>
         <p:txBody>
@@ -1682,45 +1682,45 @@
           <a:lstStyle>
             <a:lvl1pPr marL="0" indent="0">
               <a:buNone/>
-              <a:defRPr sz="2400" b="1"/>
+              <a:defRPr sz="1877" b="1"/>
             </a:lvl1pPr>
-            <a:lvl2pPr marL="457200" indent="0">
-              <a:buNone/>
-              <a:defRPr sz="2000" b="1"/>
+            <a:lvl2pPr marL="357622" indent="0">
+              <a:buNone/>
+              <a:defRPr sz="1564" b="1"/>
             </a:lvl2pPr>
-            <a:lvl3pPr marL="914400" indent="0">
-              <a:buNone/>
-              <a:defRPr sz="1800" b="1"/>
+            <a:lvl3pPr marL="715244" indent="0">
+              <a:buNone/>
+              <a:defRPr sz="1408" b="1"/>
             </a:lvl3pPr>
-            <a:lvl4pPr marL="1371600" indent="0">
-              <a:buNone/>
-              <a:defRPr sz="1600" b="1"/>
+            <a:lvl4pPr marL="1072866" indent="0">
+              <a:buNone/>
+              <a:defRPr sz="1252" b="1"/>
             </a:lvl4pPr>
-            <a:lvl5pPr marL="1828800" indent="0">
-              <a:buNone/>
-              <a:defRPr sz="1600" b="1"/>
+            <a:lvl5pPr marL="1430487" indent="0">
+              <a:buNone/>
+              <a:defRPr sz="1252" b="1"/>
             </a:lvl5pPr>
-            <a:lvl6pPr marL="2286000" indent="0">
-              <a:buNone/>
-              <a:defRPr sz="1600" b="1"/>
+            <a:lvl6pPr marL="1788109" indent="0">
+              <a:buNone/>
+              <a:defRPr sz="1252" b="1"/>
             </a:lvl6pPr>
-            <a:lvl7pPr marL="2743200" indent="0">
-              <a:buNone/>
-              <a:defRPr sz="1600" b="1"/>
+            <a:lvl7pPr marL="2145731" indent="0">
+              <a:buNone/>
+              <a:defRPr sz="1252" b="1"/>
             </a:lvl7pPr>
-            <a:lvl8pPr marL="3200400" indent="0">
-              <a:buNone/>
-              <a:defRPr sz="1600" b="1"/>
+            <a:lvl8pPr marL="2503353" indent="0">
+              <a:buNone/>
+              <a:defRPr sz="1252" b="1"/>
             </a:lvl8pPr>
-            <a:lvl9pPr marL="3657600" indent="0">
-              <a:buNone/>
-              <a:defRPr sz="1600" b="1"/>
+            <a:lvl9pPr marL="2860975" indent="0">
+              <a:buNone/>
+              <a:defRPr sz="1252" b="1"/>
             </a:lvl9pPr>
           </a:lstStyle>
           <a:p>
             <a:pPr lvl="0"/>
             <a:r>
-              <a:rPr kumimoji="1" lang="ja-JP" altLang="en-US" smtClean="0"/>
+              <a:rPr lang="ja-JP" altLang="en-US" smtClean="0"/>
               <a:t>マスター テキストの書式設定</a:t>
             </a:r>
           </a:p>
@@ -1728,7 +1728,7 @@
       </p:sp>
       <p:sp>
         <p:nvSpPr>
-          <p:cNvPr id="6" name="コンテンツ プレースホルダー 5"/>
+          <p:cNvPr id="6" name="Content Placeholder 5"/>
           <p:cNvSpPr>
             <a:spLocks noGrp="1"/>
           </p:cNvSpPr>
@@ -1738,8 +1738,8 @@
         </p:nvSpPr>
         <p:spPr>
           <a:xfrm>
-            <a:off x="6172200" y="2505075"/>
-            <a:ext cx="5183188" cy="3684588"/>
+            <a:off x="6172200" y="1959410"/>
+            <a:ext cx="5183188" cy="2881996"/>
           </a:xfrm>
         </p:spPr>
         <p:txBody>
@@ -1748,76 +1748,76 @@
           <a:p>
             <a:pPr lvl="0"/>
             <a:r>
-              <a:rPr kumimoji="1" lang="ja-JP" altLang="en-US" smtClean="0"/>
+              <a:rPr lang="ja-JP" altLang="en-US" smtClean="0"/>
               <a:t>マスター テキストの書式設定</a:t>
             </a:r>
           </a:p>
           <a:p>
             <a:pPr lvl="1"/>
             <a:r>
-              <a:rPr kumimoji="1" lang="ja-JP" altLang="en-US" smtClean="0"/>
+              <a:rPr lang="ja-JP" altLang="en-US" smtClean="0"/>
               <a:t>第 </a:t>
             </a:r>
             <a:r>
-              <a:rPr kumimoji="1" lang="en-US" altLang="ja-JP" smtClean="0"/>
+              <a:rPr lang="en-US" altLang="ja-JP" smtClean="0"/>
               <a:t>2 </a:t>
             </a:r>
             <a:r>
-              <a:rPr kumimoji="1" lang="ja-JP" altLang="en-US" smtClean="0"/>
+              <a:rPr lang="ja-JP" altLang="en-US" smtClean="0"/>
               <a:t>レベル</a:t>
             </a:r>
           </a:p>
           <a:p>
             <a:pPr lvl="2"/>
             <a:r>
-              <a:rPr kumimoji="1" lang="ja-JP" altLang="en-US" smtClean="0"/>
+              <a:rPr lang="ja-JP" altLang="en-US" smtClean="0"/>
               <a:t>第 </a:t>
             </a:r>
             <a:r>
-              <a:rPr kumimoji="1" lang="en-US" altLang="ja-JP" smtClean="0"/>
+              <a:rPr lang="en-US" altLang="ja-JP" smtClean="0"/>
               <a:t>3 </a:t>
             </a:r>
             <a:r>
-              <a:rPr kumimoji="1" lang="ja-JP" altLang="en-US" smtClean="0"/>
+              <a:rPr lang="ja-JP" altLang="en-US" smtClean="0"/>
               <a:t>レベル</a:t>
             </a:r>
           </a:p>
           <a:p>
             <a:pPr lvl="3"/>
             <a:r>
-              <a:rPr kumimoji="1" lang="ja-JP" altLang="en-US" smtClean="0"/>
+              <a:rPr lang="ja-JP" altLang="en-US" smtClean="0"/>
               <a:t>第 </a:t>
             </a:r>
             <a:r>
-              <a:rPr kumimoji="1" lang="en-US" altLang="ja-JP" smtClean="0"/>
+              <a:rPr lang="en-US" altLang="ja-JP" smtClean="0"/>
               <a:t>4 </a:t>
             </a:r>
             <a:r>
-              <a:rPr kumimoji="1" lang="ja-JP" altLang="en-US" smtClean="0"/>
+              <a:rPr lang="ja-JP" altLang="en-US" smtClean="0"/>
               <a:t>レベル</a:t>
             </a:r>
           </a:p>
           <a:p>
             <a:pPr lvl="4"/>
             <a:r>
-              <a:rPr kumimoji="1" lang="ja-JP" altLang="en-US" smtClean="0"/>
+              <a:rPr lang="ja-JP" altLang="en-US" smtClean="0"/>
               <a:t>第 </a:t>
             </a:r>
             <a:r>
-              <a:rPr kumimoji="1" lang="en-US" altLang="ja-JP" smtClean="0"/>
+              <a:rPr lang="en-US" altLang="ja-JP" smtClean="0"/>
               <a:t>5 </a:t>
             </a:r>
             <a:r>
-              <a:rPr kumimoji="1" lang="ja-JP" altLang="en-US" smtClean="0"/>
+              <a:rPr lang="ja-JP" altLang="en-US" smtClean="0"/>
               <a:t>レベル</a:t>
             </a:r>
-            <a:endParaRPr kumimoji="1" lang="ja-JP" altLang="en-US"/>
-          </a:p>
-        </p:txBody>
-      </p:sp>
-      <p:sp>
-        <p:nvSpPr>
-          <p:cNvPr id="7" name="日付プレースホルダー 6"/>
+            <a:endParaRPr lang="en-US" dirty="0"/>
+          </a:p>
+        </p:txBody>
+      </p:sp>
+      <p:sp>
+        <p:nvSpPr>
+          <p:cNvPr id="7" name="Date Placeholder 6"/>
           <p:cNvSpPr>
             <a:spLocks noGrp="1"/>
           </p:cNvSpPr>
@@ -1832,7 +1832,7 @@
           <a:p>
             <a:fld id="{793083FE-F8B2-4577-9B92-6995EB3820F1}" type="datetimeFigureOut">
               <a:rPr kumimoji="1" lang="ja-JP" altLang="en-US" smtClean="0"/>
-              <a:t>2017/7/25</a:t>
+              <a:t>2017/11/16</a:t>
             </a:fld>
             <a:endParaRPr kumimoji="1" lang="ja-JP" altLang="en-US"/>
           </a:p>
@@ -1840,7 +1840,7 @@
       </p:sp>
       <p:sp>
         <p:nvSpPr>
-          <p:cNvPr id="8" name="フッター プレースホルダー 7"/>
+          <p:cNvPr id="8" name="Footer Placeholder 7"/>
           <p:cNvSpPr>
             <a:spLocks noGrp="1"/>
           </p:cNvSpPr>
@@ -1859,7 +1859,7 @@
       </p:sp>
       <p:sp>
         <p:nvSpPr>
-          <p:cNvPr id="9" name="スライド番号プレースホルダー 8"/>
+          <p:cNvPr id="9" name="Slide Number Placeholder 8"/>
           <p:cNvSpPr>
             <a:spLocks noGrp="1"/>
           </p:cNvSpPr>
@@ -1883,7 +1883,7 @@
     </p:spTree>
     <p:extLst>
       <p:ext uri="{BB962C8B-B14F-4D97-AF65-F5344CB8AC3E}">
-        <p14:creationId xmlns:p14="http://schemas.microsoft.com/office/powerpoint/2010/main" val="2293889451"/>
+        <p14:creationId xmlns:p14="http://schemas.microsoft.com/office/powerpoint/2010/main" val="200830414"/>
       </p:ext>
     </p:extLst>
   </p:cSld>
@@ -1912,7 +1912,7 @@
       </p:grpSpPr>
       <p:sp>
         <p:nvSpPr>
-          <p:cNvPr id="2" name="タイトル 1"/>
+          <p:cNvPr id="2" name="Title 1"/>
           <p:cNvSpPr>
             <a:spLocks noGrp="1"/>
           </p:cNvSpPr>
@@ -1926,16 +1926,16 @@
           <a:lstStyle/>
           <a:p>
             <a:r>
-              <a:rPr kumimoji="1" lang="ja-JP" altLang="en-US" smtClean="0"/>
+              <a:rPr lang="ja-JP" altLang="en-US" smtClean="0"/>
               <a:t>マスター タイトルの書式設定</a:t>
             </a:r>
-            <a:endParaRPr kumimoji="1" lang="ja-JP" altLang="en-US"/>
-          </a:p>
-        </p:txBody>
-      </p:sp>
-      <p:sp>
-        <p:nvSpPr>
-          <p:cNvPr id="3" name="日付プレースホルダー 2"/>
+            <a:endParaRPr lang="en-US" dirty="0"/>
+          </a:p>
+        </p:txBody>
+      </p:sp>
+      <p:sp>
+        <p:nvSpPr>
+          <p:cNvPr id="3" name="Date Placeholder 2"/>
           <p:cNvSpPr>
             <a:spLocks noGrp="1"/>
           </p:cNvSpPr>
@@ -1950,7 +1950,7 @@
           <a:p>
             <a:fld id="{793083FE-F8B2-4577-9B92-6995EB3820F1}" type="datetimeFigureOut">
               <a:rPr kumimoji="1" lang="ja-JP" altLang="en-US" smtClean="0"/>
-              <a:t>2017/7/25</a:t>
+              <a:t>2017/11/16</a:t>
             </a:fld>
             <a:endParaRPr kumimoji="1" lang="ja-JP" altLang="en-US"/>
           </a:p>
@@ -1958,7 +1958,7 @@
       </p:sp>
       <p:sp>
         <p:nvSpPr>
-          <p:cNvPr id="4" name="フッター プレースホルダー 3"/>
+          <p:cNvPr id="4" name="Footer Placeholder 3"/>
           <p:cNvSpPr>
             <a:spLocks noGrp="1"/>
           </p:cNvSpPr>
@@ -1977,7 +1977,7 @@
       </p:sp>
       <p:sp>
         <p:nvSpPr>
-          <p:cNvPr id="5" name="スライド番号プレースホルダー 4"/>
+          <p:cNvPr id="5" name="Slide Number Placeholder 4"/>
           <p:cNvSpPr>
             <a:spLocks noGrp="1"/>
           </p:cNvSpPr>
@@ -2001,7 +2001,7 @@
     </p:spTree>
     <p:extLst>
       <p:ext uri="{BB962C8B-B14F-4D97-AF65-F5344CB8AC3E}">
-        <p14:creationId xmlns:p14="http://schemas.microsoft.com/office/powerpoint/2010/main" val="4061001073"/>
+        <p14:creationId xmlns:p14="http://schemas.microsoft.com/office/powerpoint/2010/main" val="3900990397"/>
       </p:ext>
     </p:extLst>
   </p:cSld>
@@ -2030,7 +2030,7 @@
       </p:grpSpPr>
       <p:sp>
         <p:nvSpPr>
-          <p:cNvPr id="2" name="日付プレースホルダー 1"/>
+          <p:cNvPr id="2" name="Date Placeholder 1"/>
           <p:cNvSpPr>
             <a:spLocks noGrp="1"/>
           </p:cNvSpPr>
@@ -2045,7 +2045,7 @@
           <a:p>
             <a:fld id="{793083FE-F8B2-4577-9B92-6995EB3820F1}" type="datetimeFigureOut">
               <a:rPr kumimoji="1" lang="ja-JP" altLang="en-US" smtClean="0"/>
-              <a:t>2017/7/25</a:t>
+              <a:t>2017/11/16</a:t>
             </a:fld>
             <a:endParaRPr kumimoji="1" lang="ja-JP" altLang="en-US"/>
           </a:p>
@@ -2053,7 +2053,7 @@
       </p:sp>
       <p:sp>
         <p:nvSpPr>
-          <p:cNvPr id="3" name="フッター プレースホルダー 2"/>
+          <p:cNvPr id="3" name="Footer Placeholder 2"/>
           <p:cNvSpPr>
             <a:spLocks noGrp="1"/>
           </p:cNvSpPr>
@@ -2072,7 +2072,7 @@
       </p:sp>
       <p:sp>
         <p:nvSpPr>
-          <p:cNvPr id="4" name="スライド番号プレースホルダー 3"/>
+          <p:cNvPr id="4" name="Slide Number Placeholder 3"/>
           <p:cNvSpPr>
             <a:spLocks noGrp="1"/>
           </p:cNvSpPr>
@@ -2096,7 +2096,7 @@
     </p:spTree>
     <p:extLst>
       <p:ext uri="{BB962C8B-B14F-4D97-AF65-F5344CB8AC3E}">
-        <p14:creationId xmlns:p14="http://schemas.microsoft.com/office/powerpoint/2010/main" val="3503698857"/>
+        <p14:creationId xmlns:p14="http://schemas.microsoft.com/office/powerpoint/2010/main" val="2878289432"/>
       </p:ext>
     </p:extLst>
   </p:cSld>
@@ -2125,7 +2125,7 @@
       </p:grpSpPr>
       <p:sp>
         <p:nvSpPr>
-          <p:cNvPr id="2" name="タイトル 1"/>
+          <p:cNvPr id="2" name="Title 1"/>
           <p:cNvSpPr>
             <a:spLocks noGrp="1"/>
           </p:cNvSpPr>
@@ -2135,29 +2135,29 @@
         </p:nvSpPr>
         <p:spPr>
           <a:xfrm>
-            <a:off x="839788" y="457200"/>
-            <a:ext cx="3932237" cy="1600200"/>
+            <a:off x="839789" y="357611"/>
+            <a:ext cx="3932237" cy="1251638"/>
           </a:xfrm>
         </p:spPr>
         <p:txBody>
           <a:bodyPr anchor="b"/>
           <a:lstStyle>
             <a:lvl1pPr>
-              <a:defRPr sz="3200"/>
+              <a:defRPr sz="2503"/>
             </a:lvl1pPr>
           </a:lstStyle>
           <a:p>
             <a:r>
-              <a:rPr kumimoji="1" lang="ja-JP" altLang="en-US" smtClean="0"/>
+              <a:rPr lang="ja-JP" altLang="en-US" smtClean="0"/>
               <a:t>マスター タイトルの書式設定</a:t>
             </a:r>
-            <a:endParaRPr kumimoji="1" lang="ja-JP" altLang="en-US"/>
-          </a:p>
-        </p:txBody>
-      </p:sp>
-      <p:sp>
-        <p:nvSpPr>
-          <p:cNvPr id="3" name="コンテンツ プレースホルダー 2"/>
+            <a:endParaRPr lang="en-US" dirty="0"/>
+          </a:p>
+        </p:txBody>
+      </p:sp>
+      <p:sp>
+        <p:nvSpPr>
+          <p:cNvPr id="3" name="Content Placeholder 2"/>
           <p:cNvSpPr>
             <a:spLocks noGrp="1"/>
           </p:cNvSpPr>
@@ -2167,114 +2167,114 @@
         </p:nvSpPr>
         <p:spPr>
           <a:xfrm>
-            <a:off x="5183188" y="987425"/>
-            <a:ext cx="6172200" cy="4873625"/>
+            <a:off x="5183188" y="772340"/>
+            <a:ext cx="6172200" cy="3812033"/>
           </a:xfrm>
         </p:spPr>
         <p:txBody>
           <a:bodyPr/>
           <a:lstStyle>
             <a:lvl1pPr>
-              <a:defRPr sz="3200"/>
+              <a:defRPr sz="2503"/>
             </a:lvl1pPr>
             <a:lvl2pPr>
-              <a:defRPr sz="2800"/>
+              <a:defRPr sz="2190"/>
             </a:lvl2pPr>
             <a:lvl3pPr>
-              <a:defRPr sz="2400"/>
+              <a:defRPr sz="1877"/>
             </a:lvl3pPr>
             <a:lvl4pPr>
-              <a:defRPr sz="2000"/>
+              <a:defRPr sz="1564"/>
             </a:lvl4pPr>
             <a:lvl5pPr>
-              <a:defRPr sz="2000"/>
+              <a:defRPr sz="1564"/>
             </a:lvl5pPr>
             <a:lvl6pPr>
-              <a:defRPr sz="2000"/>
+              <a:defRPr sz="1564"/>
             </a:lvl6pPr>
             <a:lvl7pPr>
-              <a:defRPr sz="2000"/>
+              <a:defRPr sz="1564"/>
             </a:lvl7pPr>
             <a:lvl8pPr>
-              <a:defRPr sz="2000"/>
+              <a:defRPr sz="1564"/>
             </a:lvl8pPr>
             <a:lvl9pPr>
-              <a:defRPr sz="2000"/>
+              <a:defRPr sz="1564"/>
             </a:lvl9pPr>
           </a:lstStyle>
           <a:p>
             <a:pPr lvl="0"/>
             <a:r>
-              <a:rPr kumimoji="1" lang="ja-JP" altLang="en-US" smtClean="0"/>
+              <a:rPr lang="ja-JP" altLang="en-US" smtClean="0"/>
               <a:t>マスター テキストの書式設定</a:t>
             </a:r>
           </a:p>
           <a:p>
             <a:pPr lvl="1"/>
             <a:r>
-              <a:rPr kumimoji="1" lang="ja-JP" altLang="en-US" smtClean="0"/>
+              <a:rPr lang="ja-JP" altLang="en-US" smtClean="0"/>
               <a:t>第 </a:t>
             </a:r>
             <a:r>
-              <a:rPr kumimoji="1" lang="en-US" altLang="ja-JP" smtClean="0"/>
+              <a:rPr lang="en-US" altLang="ja-JP" smtClean="0"/>
               <a:t>2 </a:t>
             </a:r>
             <a:r>
-              <a:rPr kumimoji="1" lang="ja-JP" altLang="en-US" smtClean="0"/>
+              <a:rPr lang="ja-JP" altLang="en-US" smtClean="0"/>
               <a:t>レベル</a:t>
             </a:r>
           </a:p>
           <a:p>
             <a:pPr lvl="2"/>
             <a:r>
-              <a:rPr kumimoji="1" lang="ja-JP" altLang="en-US" smtClean="0"/>
+              <a:rPr lang="ja-JP" altLang="en-US" smtClean="0"/>
               <a:t>第 </a:t>
             </a:r>
             <a:r>
-              <a:rPr kumimoji="1" lang="en-US" altLang="ja-JP" smtClean="0"/>
+              <a:rPr lang="en-US" altLang="ja-JP" smtClean="0"/>
               <a:t>3 </a:t>
             </a:r>
             <a:r>
-              <a:rPr kumimoji="1" lang="ja-JP" altLang="en-US" smtClean="0"/>
+              <a:rPr lang="ja-JP" altLang="en-US" smtClean="0"/>
               <a:t>レベル</a:t>
             </a:r>
           </a:p>
           <a:p>
             <a:pPr lvl="3"/>
             <a:r>
-              <a:rPr kumimoji="1" lang="ja-JP" altLang="en-US" smtClean="0"/>
+              <a:rPr lang="ja-JP" altLang="en-US" smtClean="0"/>
               <a:t>第 </a:t>
             </a:r>
             <a:r>
-              <a:rPr kumimoji="1" lang="en-US" altLang="ja-JP" smtClean="0"/>
+              <a:rPr lang="en-US" altLang="ja-JP" smtClean="0"/>
               <a:t>4 </a:t>
             </a:r>
             <a:r>
-              <a:rPr kumimoji="1" lang="ja-JP" altLang="en-US" smtClean="0"/>
+              <a:rPr lang="ja-JP" altLang="en-US" smtClean="0"/>
               <a:t>レベル</a:t>
             </a:r>
           </a:p>
           <a:p>
             <a:pPr lvl="4"/>
             <a:r>
-              <a:rPr kumimoji="1" lang="ja-JP" altLang="en-US" smtClean="0"/>
+              <a:rPr lang="ja-JP" altLang="en-US" smtClean="0"/>
               <a:t>第 </a:t>
             </a:r>
             <a:r>
-              <a:rPr kumimoji="1" lang="en-US" altLang="ja-JP" smtClean="0"/>
+              <a:rPr lang="en-US" altLang="ja-JP" smtClean="0"/>
               <a:t>5 </a:t>
             </a:r>
             <a:r>
-              <a:rPr kumimoji="1" lang="ja-JP" altLang="en-US" smtClean="0"/>
+              <a:rPr lang="ja-JP" altLang="en-US" smtClean="0"/>
               <a:t>レベル</a:t>
             </a:r>
-            <a:endParaRPr kumimoji="1" lang="ja-JP" altLang="en-US"/>
-          </a:p>
-        </p:txBody>
-      </p:sp>
-      <p:sp>
-        <p:nvSpPr>
-          <p:cNvPr id="4" name="テキスト プレースホルダー 3"/>
+            <a:endParaRPr lang="en-US" dirty="0"/>
+          </a:p>
+        </p:txBody>
+      </p:sp>
+      <p:sp>
+        <p:nvSpPr>
+          <p:cNvPr id="4" name="Text Placeholder 3"/>
           <p:cNvSpPr>
             <a:spLocks noGrp="1"/>
           </p:cNvSpPr>
@@ -2284,8 +2284,8 @@
         </p:nvSpPr>
         <p:spPr>
           <a:xfrm>
-            <a:off x="839788" y="2057400"/>
-            <a:ext cx="3932237" cy="3811588"/>
+            <a:off x="839789" y="1609249"/>
+            <a:ext cx="3932237" cy="2981333"/>
           </a:xfrm>
         </p:spPr>
         <p:txBody>
@@ -2293,45 +2293,45 @@
           <a:lstStyle>
             <a:lvl1pPr marL="0" indent="0">
               <a:buNone/>
-              <a:defRPr sz="1600"/>
+              <a:defRPr sz="1252"/>
             </a:lvl1pPr>
-            <a:lvl2pPr marL="457200" indent="0">
-              <a:buNone/>
-              <a:defRPr sz="1400"/>
+            <a:lvl2pPr marL="357622" indent="0">
+              <a:buNone/>
+              <a:defRPr sz="1095"/>
             </a:lvl2pPr>
-            <a:lvl3pPr marL="914400" indent="0">
-              <a:buNone/>
-              <a:defRPr sz="1200"/>
+            <a:lvl3pPr marL="715244" indent="0">
+              <a:buNone/>
+              <a:defRPr sz="939"/>
             </a:lvl3pPr>
-            <a:lvl4pPr marL="1371600" indent="0">
-              <a:buNone/>
-              <a:defRPr sz="1000"/>
+            <a:lvl4pPr marL="1072866" indent="0">
+              <a:buNone/>
+              <a:defRPr sz="782"/>
             </a:lvl4pPr>
-            <a:lvl5pPr marL="1828800" indent="0">
-              <a:buNone/>
-              <a:defRPr sz="1000"/>
+            <a:lvl5pPr marL="1430487" indent="0">
+              <a:buNone/>
+              <a:defRPr sz="782"/>
             </a:lvl5pPr>
-            <a:lvl6pPr marL="2286000" indent="0">
-              <a:buNone/>
-              <a:defRPr sz="1000"/>
+            <a:lvl6pPr marL="1788109" indent="0">
+              <a:buNone/>
+              <a:defRPr sz="782"/>
             </a:lvl6pPr>
-            <a:lvl7pPr marL="2743200" indent="0">
-              <a:buNone/>
-              <a:defRPr sz="1000"/>
+            <a:lvl7pPr marL="2145731" indent="0">
+              <a:buNone/>
+              <a:defRPr sz="782"/>
             </a:lvl7pPr>
-            <a:lvl8pPr marL="3200400" indent="0">
-              <a:buNone/>
-              <a:defRPr sz="1000"/>
+            <a:lvl8pPr marL="2503353" indent="0">
+              <a:buNone/>
+              <a:defRPr sz="782"/>
             </a:lvl8pPr>
-            <a:lvl9pPr marL="3657600" indent="0">
-              <a:buNone/>
-              <a:defRPr sz="1000"/>
+            <a:lvl9pPr marL="2860975" indent="0">
+              <a:buNone/>
+              <a:defRPr sz="782"/>
             </a:lvl9pPr>
           </a:lstStyle>
           <a:p>
             <a:pPr lvl="0"/>
             <a:r>
-              <a:rPr kumimoji="1" lang="ja-JP" altLang="en-US" smtClean="0"/>
+              <a:rPr lang="ja-JP" altLang="en-US" smtClean="0"/>
               <a:t>マスター テキストの書式設定</a:t>
             </a:r>
           </a:p>
@@ -2339,7 +2339,7 @@
       </p:sp>
       <p:sp>
         <p:nvSpPr>
-          <p:cNvPr id="5" name="日付プレースホルダー 4"/>
+          <p:cNvPr id="5" name="Date Placeholder 4"/>
           <p:cNvSpPr>
             <a:spLocks noGrp="1"/>
           </p:cNvSpPr>
@@ -2354,7 +2354,7 @@
           <a:p>
             <a:fld id="{793083FE-F8B2-4577-9B92-6995EB3820F1}" type="datetimeFigureOut">
               <a:rPr kumimoji="1" lang="ja-JP" altLang="en-US" smtClean="0"/>
-              <a:t>2017/7/25</a:t>
+              <a:t>2017/11/16</a:t>
             </a:fld>
             <a:endParaRPr kumimoji="1" lang="ja-JP" altLang="en-US"/>
           </a:p>
@@ -2362,7 +2362,7 @@
       </p:sp>
       <p:sp>
         <p:nvSpPr>
-          <p:cNvPr id="6" name="フッター プレースホルダー 5"/>
+          <p:cNvPr id="6" name="Footer Placeholder 5"/>
           <p:cNvSpPr>
             <a:spLocks noGrp="1"/>
           </p:cNvSpPr>
@@ -2381,7 +2381,7 @@
       </p:sp>
       <p:sp>
         <p:nvSpPr>
-          <p:cNvPr id="7" name="スライド番号プレースホルダー 6"/>
+          <p:cNvPr id="7" name="Slide Number Placeholder 6"/>
           <p:cNvSpPr>
             <a:spLocks noGrp="1"/>
           </p:cNvSpPr>
@@ -2405,7 +2405,7 @@
     </p:spTree>
     <p:extLst>
       <p:ext uri="{BB962C8B-B14F-4D97-AF65-F5344CB8AC3E}">
-        <p14:creationId xmlns:p14="http://schemas.microsoft.com/office/powerpoint/2010/main" val="255069360"/>
+        <p14:creationId xmlns:p14="http://schemas.microsoft.com/office/powerpoint/2010/main" val="1815771480"/>
       </p:ext>
     </p:extLst>
   </p:cSld>
@@ -2434,7 +2434,7 @@
       </p:grpSpPr>
       <p:sp>
         <p:nvSpPr>
-          <p:cNvPr id="2" name="タイトル 1"/>
+          <p:cNvPr id="2" name="Title 1"/>
           <p:cNvSpPr>
             <a:spLocks noGrp="1"/>
           </p:cNvSpPr>
@@ -2444,31 +2444,31 @@
         </p:nvSpPr>
         <p:spPr>
           <a:xfrm>
-            <a:off x="839788" y="457200"/>
-            <a:ext cx="3932237" cy="1600200"/>
+            <a:off x="839789" y="357611"/>
+            <a:ext cx="3932237" cy="1251638"/>
           </a:xfrm>
         </p:spPr>
         <p:txBody>
           <a:bodyPr anchor="b"/>
           <a:lstStyle>
             <a:lvl1pPr>
-              <a:defRPr sz="3200"/>
+              <a:defRPr sz="2503"/>
             </a:lvl1pPr>
           </a:lstStyle>
           <a:p>
             <a:r>
-              <a:rPr kumimoji="1" lang="ja-JP" altLang="en-US" smtClean="0"/>
+              <a:rPr lang="ja-JP" altLang="en-US" smtClean="0"/>
               <a:t>マスター タイトルの書式設定</a:t>
             </a:r>
-            <a:endParaRPr kumimoji="1" lang="ja-JP" altLang="en-US"/>
-          </a:p>
-        </p:txBody>
-      </p:sp>
-      <p:sp>
-        <p:nvSpPr>
-          <p:cNvPr id="3" name="図プレースホルダー 2"/>
-          <p:cNvSpPr>
-            <a:spLocks noGrp="1"/>
+            <a:endParaRPr lang="en-US" dirty="0"/>
+          </a:p>
+        </p:txBody>
+      </p:sp>
+      <p:sp>
+        <p:nvSpPr>
+          <p:cNvPr id="3" name="Picture Placeholder 2"/>
+          <p:cNvSpPr>
+            <a:spLocks noGrp="1" noChangeAspect="1"/>
           </p:cNvSpPr>
           <p:nvPr>
             <p:ph type="pic" idx="1"/>
@@ -2476,8 +2476,73 @@
         </p:nvSpPr>
         <p:spPr>
           <a:xfrm>
-            <a:off x="5183188" y="987425"/>
-            <a:ext cx="6172200" cy="4873625"/>
+            <a:off x="5183188" y="772340"/>
+            <a:ext cx="6172200" cy="3812033"/>
+          </a:xfrm>
+        </p:spPr>
+        <p:txBody>
+          <a:bodyPr anchor="t"/>
+          <a:lstStyle>
+            <a:lvl1pPr marL="0" indent="0">
+              <a:buNone/>
+              <a:defRPr sz="2503"/>
+            </a:lvl1pPr>
+            <a:lvl2pPr marL="357622" indent="0">
+              <a:buNone/>
+              <a:defRPr sz="2190"/>
+            </a:lvl2pPr>
+            <a:lvl3pPr marL="715244" indent="0">
+              <a:buNone/>
+              <a:defRPr sz="1877"/>
+            </a:lvl3pPr>
+            <a:lvl4pPr marL="1072866" indent="0">
+              <a:buNone/>
+              <a:defRPr sz="1564"/>
+            </a:lvl4pPr>
+            <a:lvl5pPr marL="1430487" indent="0">
+              <a:buNone/>
+              <a:defRPr sz="1564"/>
+            </a:lvl5pPr>
+            <a:lvl6pPr marL="1788109" indent="0">
+              <a:buNone/>
+              <a:defRPr sz="1564"/>
+            </a:lvl6pPr>
+            <a:lvl7pPr marL="2145731" indent="0">
+              <a:buNone/>
+              <a:defRPr sz="1564"/>
+            </a:lvl7pPr>
+            <a:lvl8pPr marL="2503353" indent="0">
+              <a:buNone/>
+              <a:defRPr sz="1564"/>
+            </a:lvl8pPr>
+            <a:lvl9pPr marL="2860975" indent="0">
+              <a:buNone/>
+              <a:defRPr sz="1564"/>
+            </a:lvl9pPr>
+          </a:lstStyle>
+          <a:p>
+            <a:r>
+              <a:rPr lang="ja-JP" altLang="en-US" smtClean="0"/>
+              <a:t>図を追加</a:t>
+            </a:r>
+            <a:endParaRPr lang="en-US" dirty="0"/>
+          </a:p>
+        </p:txBody>
+      </p:sp>
+      <p:sp>
+        <p:nvSpPr>
+          <p:cNvPr id="4" name="Text Placeholder 3"/>
+          <p:cNvSpPr>
+            <a:spLocks noGrp="1"/>
+          </p:cNvSpPr>
+          <p:nvPr>
+            <p:ph type="body" sz="half" idx="2"/>
+          </p:nvPr>
+        </p:nvSpPr>
+        <p:spPr>
+          <a:xfrm>
+            <a:off x="839789" y="1609249"/>
+            <a:ext cx="3932237" cy="2981333"/>
           </a:xfrm>
         </p:spPr>
         <p:txBody>
@@ -2485,106 +2550,45 @@
           <a:lstStyle>
             <a:lvl1pPr marL="0" indent="0">
               <a:buNone/>
-              <a:defRPr sz="3200"/>
+              <a:defRPr sz="1252"/>
             </a:lvl1pPr>
-            <a:lvl2pPr marL="457200" indent="0">
-              <a:buNone/>
-              <a:defRPr sz="2800"/>
+            <a:lvl2pPr marL="357622" indent="0">
+              <a:buNone/>
+              <a:defRPr sz="1095"/>
             </a:lvl2pPr>
-            <a:lvl3pPr marL="914400" indent="0">
-              <a:buNone/>
-              <a:defRPr sz="2400"/>
+            <a:lvl3pPr marL="715244" indent="0">
+              <a:buNone/>
+              <a:defRPr sz="939"/>
             </a:lvl3pPr>
-            <a:lvl4pPr marL="1371600" indent="0">
-              <a:buNone/>
-              <a:defRPr sz="2000"/>
+            <a:lvl4pPr marL="1072866" indent="0">
+              <a:buNone/>
+              <a:defRPr sz="782"/>
             </a:lvl4pPr>
-            <a:lvl5pPr marL="1828800" indent="0">
-              <a:buNone/>
-              <a:defRPr sz="2000"/>
+            <a:lvl5pPr marL="1430487" indent="0">
+              <a:buNone/>
+              <a:defRPr sz="782"/>
             </a:lvl5pPr>
-            <a:lvl6pPr marL="2286000" indent="0">
-              <a:buNone/>
-              <a:defRPr sz="2000"/>
+            <a:lvl6pPr marL="1788109" indent="0">
+              <a:buNone/>
+              <a:defRPr sz="782"/>
             </a:lvl6pPr>
-            <a:lvl7pPr marL="2743200" indent="0">
-              <a:buNone/>
-              <a:defRPr sz="2000"/>
+            <a:lvl7pPr marL="2145731" indent="0">
+              <a:buNone/>
+              <a:defRPr sz="782"/>
             </a:lvl7pPr>
-            <a:lvl8pPr marL="3200400" indent="0">
-              <a:buNone/>
-              <a:defRPr sz="2000"/>
+            <a:lvl8pPr marL="2503353" indent="0">
+              <a:buNone/>
+              <a:defRPr sz="782"/>
             </a:lvl8pPr>
-            <a:lvl9pPr marL="3657600" indent="0">
-              <a:buNone/>
-              <a:defRPr sz="2000"/>
+            <a:lvl9pPr marL="2860975" indent="0">
+              <a:buNone/>
+              <a:defRPr sz="782"/>
             </a:lvl9pPr>
           </a:lstStyle>
           <a:p>
-            <a:endParaRPr kumimoji="1" lang="ja-JP" altLang="en-US"/>
-          </a:p>
-        </p:txBody>
-      </p:sp>
-      <p:sp>
-        <p:nvSpPr>
-          <p:cNvPr id="4" name="テキスト プレースホルダー 3"/>
-          <p:cNvSpPr>
-            <a:spLocks noGrp="1"/>
-          </p:cNvSpPr>
-          <p:nvPr>
-            <p:ph type="body" sz="half" idx="2"/>
-          </p:nvPr>
-        </p:nvSpPr>
-        <p:spPr>
-          <a:xfrm>
-            <a:off x="839788" y="2057400"/>
-            <a:ext cx="3932237" cy="3811588"/>
-          </a:xfrm>
-        </p:spPr>
-        <p:txBody>
-          <a:bodyPr/>
-          <a:lstStyle>
-            <a:lvl1pPr marL="0" indent="0">
-              <a:buNone/>
-              <a:defRPr sz="1600"/>
-            </a:lvl1pPr>
-            <a:lvl2pPr marL="457200" indent="0">
-              <a:buNone/>
-              <a:defRPr sz="1400"/>
-            </a:lvl2pPr>
-            <a:lvl3pPr marL="914400" indent="0">
-              <a:buNone/>
-              <a:defRPr sz="1200"/>
-            </a:lvl3pPr>
-            <a:lvl4pPr marL="1371600" indent="0">
-              <a:buNone/>
-              <a:defRPr sz="1000"/>
-            </a:lvl4pPr>
-            <a:lvl5pPr marL="1828800" indent="0">
-              <a:buNone/>
-              <a:defRPr sz="1000"/>
-            </a:lvl5pPr>
-            <a:lvl6pPr marL="2286000" indent="0">
-              <a:buNone/>
-              <a:defRPr sz="1000"/>
-            </a:lvl6pPr>
-            <a:lvl7pPr marL="2743200" indent="0">
-              <a:buNone/>
-              <a:defRPr sz="1000"/>
-            </a:lvl7pPr>
-            <a:lvl8pPr marL="3200400" indent="0">
-              <a:buNone/>
-              <a:defRPr sz="1000"/>
-            </a:lvl8pPr>
-            <a:lvl9pPr marL="3657600" indent="0">
-              <a:buNone/>
-              <a:defRPr sz="1000"/>
-            </a:lvl9pPr>
-          </a:lstStyle>
-          <a:p>
             <a:pPr lvl="0"/>
             <a:r>
-              <a:rPr kumimoji="1" lang="ja-JP" altLang="en-US" smtClean="0"/>
+              <a:rPr lang="ja-JP" altLang="en-US" smtClean="0"/>
               <a:t>マスター テキストの書式設定</a:t>
             </a:r>
           </a:p>
@@ -2592,7 +2596,7 @@
       </p:sp>
       <p:sp>
         <p:nvSpPr>
-          <p:cNvPr id="5" name="日付プレースホルダー 4"/>
+          <p:cNvPr id="5" name="Date Placeholder 4"/>
           <p:cNvSpPr>
             <a:spLocks noGrp="1"/>
           </p:cNvSpPr>
@@ -2607,7 +2611,7 @@
           <a:p>
             <a:fld id="{793083FE-F8B2-4577-9B92-6995EB3820F1}" type="datetimeFigureOut">
               <a:rPr kumimoji="1" lang="ja-JP" altLang="en-US" smtClean="0"/>
-              <a:t>2017/7/25</a:t>
+              <a:t>2017/11/16</a:t>
             </a:fld>
             <a:endParaRPr kumimoji="1" lang="ja-JP" altLang="en-US"/>
           </a:p>
@@ -2615,7 +2619,7 @@
       </p:sp>
       <p:sp>
         <p:nvSpPr>
-          <p:cNvPr id="6" name="フッター プレースホルダー 5"/>
+          <p:cNvPr id="6" name="Footer Placeholder 5"/>
           <p:cNvSpPr>
             <a:spLocks noGrp="1"/>
           </p:cNvSpPr>
@@ -2634,7 +2638,7 @@
       </p:sp>
       <p:sp>
         <p:nvSpPr>
-          <p:cNvPr id="7" name="スライド番号プレースホルダー 6"/>
+          <p:cNvPr id="7" name="Slide Number Placeholder 6"/>
           <p:cNvSpPr>
             <a:spLocks noGrp="1"/>
           </p:cNvSpPr>
@@ -2658,7 +2662,7 @@
     </p:spTree>
     <p:extLst>
       <p:ext uri="{BB962C8B-B14F-4D97-AF65-F5344CB8AC3E}">
-        <p14:creationId xmlns:p14="http://schemas.microsoft.com/office/powerpoint/2010/main" val="178986311"/>
+        <p14:creationId xmlns:p14="http://schemas.microsoft.com/office/powerpoint/2010/main" val="2374169673"/>
       </p:ext>
     </p:extLst>
   </p:cSld>
@@ -2692,7 +2696,7 @@
       </p:grpSpPr>
       <p:sp>
         <p:nvSpPr>
-          <p:cNvPr id="2" name="タイトル プレースホルダー 1"/>
+          <p:cNvPr id="2" name="Title Placeholder 1"/>
           <p:cNvSpPr>
             <a:spLocks noGrp="1"/>
           </p:cNvSpPr>
@@ -2702,8 +2706,8 @@
         </p:nvSpPr>
         <p:spPr>
           <a:xfrm>
-            <a:off x="838200" y="365125"/>
-            <a:ext cx="10515600" cy="1325563"/>
+            <a:off x="838200" y="285592"/>
+            <a:ext cx="10515600" cy="1036824"/>
           </a:xfrm>
           <a:prstGeom prst="rect">
             <a:avLst/>
@@ -2716,16 +2720,16 @@
           <a:lstStyle/>
           <a:p>
             <a:r>
-              <a:rPr kumimoji="1" lang="ja-JP" altLang="en-US" smtClean="0"/>
+              <a:rPr lang="ja-JP" altLang="en-US" smtClean="0"/>
               <a:t>マスター タイトルの書式設定</a:t>
             </a:r>
-            <a:endParaRPr kumimoji="1" lang="ja-JP" altLang="en-US"/>
-          </a:p>
-        </p:txBody>
-      </p:sp>
-      <p:sp>
-        <p:nvSpPr>
-          <p:cNvPr id="3" name="テキスト プレースホルダー 2"/>
+            <a:endParaRPr lang="en-US" dirty="0"/>
+          </a:p>
+        </p:txBody>
+      </p:sp>
+      <p:sp>
+        <p:nvSpPr>
+          <p:cNvPr id="3" name="Text Placeholder 2"/>
           <p:cNvSpPr>
             <a:spLocks noGrp="1"/>
           </p:cNvSpPr>
@@ -2735,8 +2739,8 @@
         </p:nvSpPr>
         <p:spPr>
           <a:xfrm>
-            <a:off x="838200" y="1825625"/>
-            <a:ext cx="10515600" cy="4351338"/>
+            <a:off x="838200" y="1427960"/>
+            <a:ext cx="10515600" cy="3403512"/>
           </a:xfrm>
           <a:prstGeom prst="rect">
             <a:avLst/>
@@ -2750,76 +2754,76 @@
           <a:p>
             <a:pPr lvl="0"/>
             <a:r>
-              <a:rPr kumimoji="1" lang="ja-JP" altLang="en-US" smtClean="0"/>
+              <a:rPr lang="ja-JP" altLang="en-US" smtClean="0"/>
               <a:t>マスター テキストの書式設定</a:t>
             </a:r>
           </a:p>
           <a:p>
             <a:pPr lvl="1"/>
             <a:r>
-              <a:rPr kumimoji="1" lang="ja-JP" altLang="en-US" smtClean="0"/>
+              <a:rPr lang="ja-JP" altLang="en-US" smtClean="0"/>
               <a:t>第 </a:t>
             </a:r>
             <a:r>
-              <a:rPr kumimoji="1" lang="en-US" altLang="ja-JP" smtClean="0"/>
+              <a:rPr lang="en-US" altLang="ja-JP" smtClean="0"/>
               <a:t>2 </a:t>
             </a:r>
             <a:r>
-              <a:rPr kumimoji="1" lang="ja-JP" altLang="en-US" smtClean="0"/>
+              <a:rPr lang="ja-JP" altLang="en-US" smtClean="0"/>
               <a:t>レベル</a:t>
             </a:r>
           </a:p>
           <a:p>
             <a:pPr lvl="2"/>
             <a:r>
-              <a:rPr kumimoji="1" lang="ja-JP" altLang="en-US" smtClean="0"/>
+              <a:rPr lang="ja-JP" altLang="en-US" smtClean="0"/>
               <a:t>第 </a:t>
             </a:r>
             <a:r>
-              <a:rPr kumimoji="1" lang="en-US" altLang="ja-JP" smtClean="0"/>
+              <a:rPr lang="en-US" altLang="ja-JP" smtClean="0"/>
               <a:t>3 </a:t>
             </a:r>
             <a:r>
-              <a:rPr kumimoji="1" lang="ja-JP" altLang="en-US" smtClean="0"/>
+              <a:rPr lang="ja-JP" altLang="en-US" smtClean="0"/>
               <a:t>レベル</a:t>
             </a:r>
           </a:p>
           <a:p>
             <a:pPr lvl="3"/>
             <a:r>
-              <a:rPr kumimoji="1" lang="ja-JP" altLang="en-US" smtClean="0"/>
+              <a:rPr lang="ja-JP" altLang="en-US" smtClean="0"/>
               <a:t>第 </a:t>
             </a:r>
             <a:r>
-              <a:rPr kumimoji="1" lang="en-US" altLang="ja-JP" smtClean="0"/>
+              <a:rPr lang="en-US" altLang="ja-JP" smtClean="0"/>
               <a:t>4 </a:t>
             </a:r>
             <a:r>
-              <a:rPr kumimoji="1" lang="ja-JP" altLang="en-US" smtClean="0"/>
+              <a:rPr lang="ja-JP" altLang="en-US" smtClean="0"/>
               <a:t>レベル</a:t>
             </a:r>
           </a:p>
           <a:p>
             <a:pPr lvl="4"/>
             <a:r>
-              <a:rPr kumimoji="1" lang="ja-JP" altLang="en-US" smtClean="0"/>
+              <a:rPr lang="ja-JP" altLang="en-US" smtClean="0"/>
               <a:t>第 </a:t>
             </a:r>
             <a:r>
-              <a:rPr kumimoji="1" lang="en-US" altLang="ja-JP" smtClean="0"/>
+              <a:rPr lang="en-US" altLang="ja-JP" smtClean="0"/>
               <a:t>5 </a:t>
             </a:r>
             <a:r>
-              <a:rPr kumimoji="1" lang="ja-JP" altLang="en-US" smtClean="0"/>
+              <a:rPr lang="ja-JP" altLang="en-US" smtClean="0"/>
               <a:t>レベル</a:t>
             </a:r>
-            <a:endParaRPr kumimoji="1" lang="ja-JP" altLang="en-US"/>
-          </a:p>
-        </p:txBody>
-      </p:sp>
-      <p:sp>
-        <p:nvSpPr>
-          <p:cNvPr id="4" name="日付プレースホルダー 3"/>
+            <a:endParaRPr lang="en-US" dirty="0"/>
+          </a:p>
+        </p:txBody>
+      </p:sp>
+      <p:sp>
+        <p:nvSpPr>
+          <p:cNvPr id="4" name="Date Placeholder 3"/>
           <p:cNvSpPr>
             <a:spLocks noGrp="1"/>
           </p:cNvSpPr>
@@ -2829,8 +2833,8 @@
         </p:nvSpPr>
         <p:spPr>
           <a:xfrm>
-            <a:off x="838200" y="6356350"/>
-            <a:ext cx="2743200" cy="365125"/>
+            <a:off x="838200" y="4971785"/>
+            <a:ext cx="2743200" cy="285592"/>
           </a:xfrm>
           <a:prstGeom prst="rect">
             <a:avLst/>
@@ -2840,7 +2844,7 @@
           <a:bodyPr vert="horz" lIns="91440" tIns="45720" rIns="91440" bIns="45720" rtlCol="0" anchor="ctr"/>
           <a:lstStyle>
             <a:lvl1pPr algn="l">
-              <a:defRPr sz="1200">
+              <a:defRPr sz="939">
                 <a:solidFill>
                   <a:schemeClr val="tx1">
                     <a:tint val="75000"/>
@@ -2852,7 +2856,7 @@
           <a:p>
             <a:fld id="{793083FE-F8B2-4577-9B92-6995EB3820F1}" type="datetimeFigureOut">
               <a:rPr kumimoji="1" lang="ja-JP" altLang="en-US" smtClean="0"/>
-              <a:t>2017/7/25</a:t>
+              <a:t>2017/11/16</a:t>
             </a:fld>
             <a:endParaRPr kumimoji="1" lang="ja-JP" altLang="en-US"/>
           </a:p>
@@ -2860,7 +2864,7 @@
       </p:sp>
       <p:sp>
         <p:nvSpPr>
-          <p:cNvPr id="5" name="フッター プレースホルダー 4"/>
+          <p:cNvPr id="5" name="Footer Placeholder 4"/>
           <p:cNvSpPr>
             <a:spLocks noGrp="1"/>
           </p:cNvSpPr>
@@ -2870,8 +2874,8 @@
         </p:nvSpPr>
         <p:spPr>
           <a:xfrm>
-            <a:off x="4038600" y="6356350"/>
-            <a:ext cx="4114800" cy="365125"/>
+            <a:off x="4038600" y="4971785"/>
+            <a:ext cx="4114800" cy="285592"/>
           </a:xfrm>
           <a:prstGeom prst="rect">
             <a:avLst/>
@@ -2881,7 +2885,7 @@
           <a:bodyPr vert="horz" lIns="91440" tIns="45720" rIns="91440" bIns="45720" rtlCol="0" anchor="ctr"/>
           <a:lstStyle>
             <a:lvl1pPr algn="ctr">
-              <a:defRPr sz="1200">
+              <a:defRPr sz="939">
                 <a:solidFill>
                   <a:schemeClr val="tx1">
                     <a:tint val="75000"/>
@@ -2897,7 +2901,7 @@
       </p:sp>
       <p:sp>
         <p:nvSpPr>
-          <p:cNvPr id="6" name="スライド番号プレースホルダー 5"/>
+          <p:cNvPr id="6" name="Slide Number Placeholder 5"/>
           <p:cNvSpPr>
             <a:spLocks noGrp="1"/>
           </p:cNvSpPr>
@@ -2907,8 +2911,8 @@
         </p:nvSpPr>
         <p:spPr>
           <a:xfrm>
-            <a:off x="8610600" y="6356350"/>
-            <a:ext cx="2743200" cy="365125"/>
+            <a:off x="8610600" y="4971785"/>
+            <a:ext cx="2743200" cy="285592"/>
           </a:xfrm>
           <a:prstGeom prst="rect">
             <a:avLst/>
@@ -2918,7 +2922,7 @@
           <a:bodyPr vert="horz" lIns="91440" tIns="45720" rIns="91440" bIns="45720" rtlCol="0" anchor="ctr"/>
           <a:lstStyle>
             <a:lvl1pPr algn="r">
-              <a:defRPr sz="1200">
+              <a:defRPr sz="939">
                 <a:solidFill>
                   <a:schemeClr val="tx1">
                     <a:tint val="75000"/>
@@ -2939,27 +2943,27 @@
     </p:spTree>
     <p:extLst>
       <p:ext uri="{BB962C8B-B14F-4D97-AF65-F5344CB8AC3E}">
-        <p14:creationId xmlns:p14="http://schemas.microsoft.com/office/powerpoint/2010/main" val="4228023476"/>
+        <p14:creationId xmlns:p14="http://schemas.microsoft.com/office/powerpoint/2010/main" val="2610675854"/>
       </p:ext>
     </p:extLst>
   </p:cSld>
   <p:clrMap bg1="lt1" tx1="dk1" bg2="lt2" tx2="dk2" accent1="accent1" accent2="accent2" accent3="accent3" accent4="accent4" accent5="accent5" accent6="accent6" hlink="hlink" folHlink="folHlink"/>
   <p:sldLayoutIdLst>
-    <p:sldLayoutId id="2147483649" r:id="rId1"/>
-    <p:sldLayoutId id="2147483650" r:id="rId2"/>
-    <p:sldLayoutId id="2147483651" r:id="rId3"/>
-    <p:sldLayoutId id="2147483652" r:id="rId4"/>
-    <p:sldLayoutId id="2147483653" r:id="rId5"/>
-    <p:sldLayoutId id="2147483654" r:id="rId6"/>
-    <p:sldLayoutId id="2147483655" r:id="rId7"/>
-    <p:sldLayoutId id="2147483656" r:id="rId8"/>
-    <p:sldLayoutId id="2147483657" r:id="rId9"/>
-    <p:sldLayoutId id="2147483658" r:id="rId10"/>
-    <p:sldLayoutId id="2147483659" r:id="rId11"/>
+    <p:sldLayoutId id="2147483661" r:id="rId1"/>
+    <p:sldLayoutId id="2147483662" r:id="rId2"/>
+    <p:sldLayoutId id="2147483663" r:id="rId3"/>
+    <p:sldLayoutId id="2147483664" r:id="rId4"/>
+    <p:sldLayoutId id="2147483665" r:id="rId5"/>
+    <p:sldLayoutId id="2147483666" r:id="rId6"/>
+    <p:sldLayoutId id="2147483667" r:id="rId7"/>
+    <p:sldLayoutId id="2147483668" r:id="rId8"/>
+    <p:sldLayoutId id="2147483669" r:id="rId9"/>
+    <p:sldLayoutId id="2147483670" r:id="rId10"/>
+    <p:sldLayoutId id="2147483671" r:id="rId11"/>
   </p:sldLayoutIdLst>
   <p:txStyles>
     <p:titleStyle>
-      <a:lvl1pPr algn="l" defTabSz="914400" rtl="0" eaLnBrk="1" latinLnBrk="0" hangingPunct="1">
+      <a:lvl1pPr algn="l" defTabSz="715244" rtl="0" eaLnBrk="1" latinLnBrk="0" hangingPunct="1">
         <a:lnSpc>
           <a:spcPct val="90000"/>
         </a:lnSpc>
@@ -2967,7 +2971,7 @@
           <a:spcPct val="0"/>
         </a:spcBef>
         <a:buNone/>
-        <a:defRPr kumimoji="1" sz="4400" kern="1200">
+        <a:defRPr kumimoji="1" sz="3442" kern="1200">
           <a:solidFill>
             <a:schemeClr val="tx1"/>
           </a:solidFill>
@@ -2978,16 +2982,16 @@
       </a:lvl1pPr>
     </p:titleStyle>
     <p:bodyStyle>
-      <a:lvl1pPr marL="228600" indent="-228600" algn="l" defTabSz="914400" rtl="0" eaLnBrk="1" latinLnBrk="0" hangingPunct="1">
+      <a:lvl1pPr marL="178811" indent="-178811" algn="l" defTabSz="715244" rtl="0" eaLnBrk="1" latinLnBrk="0" hangingPunct="1">
         <a:lnSpc>
           <a:spcPct val="90000"/>
         </a:lnSpc>
         <a:spcBef>
-          <a:spcPts val="1000"/>
+          <a:spcPts val="782"/>
         </a:spcBef>
         <a:buFont typeface="Arial" panose="020B0604020202020204" pitchFamily="34" charset="0"/>
         <a:buChar char="•"/>
-        <a:defRPr kumimoji="1" sz="2800" kern="1200">
+        <a:defRPr kumimoji="1" sz="2190" kern="1200">
           <a:solidFill>
             <a:schemeClr val="tx1"/>
           </a:solidFill>
@@ -2996,16 +3000,16 @@
           <a:cs typeface="+mn-cs"/>
         </a:defRPr>
       </a:lvl1pPr>
-      <a:lvl2pPr marL="685800" indent="-228600" algn="l" defTabSz="914400" rtl="0" eaLnBrk="1" latinLnBrk="0" hangingPunct="1">
+      <a:lvl2pPr marL="536433" indent="-178811" algn="l" defTabSz="715244" rtl="0" eaLnBrk="1" latinLnBrk="0" hangingPunct="1">
         <a:lnSpc>
           <a:spcPct val="90000"/>
         </a:lnSpc>
         <a:spcBef>
-          <a:spcPts val="500"/>
+          <a:spcPts val="391"/>
         </a:spcBef>
         <a:buFont typeface="Arial" panose="020B0604020202020204" pitchFamily="34" charset="0"/>
         <a:buChar char="•"/>
-        <a:defRPr kumimoji="1" sz="2400" kern="1200">
+        <a:defRPr kumimoji="1" sz="1877" kern="1200">
           <a:solidFill>
             <a:schemeClr val="tx1"/>
           </a:solidFill>
@@ -3014,16 +3018,16 @@
           <a:cs typeface="+mn-cs"/>
         </a:defRPr>
       </a:lvl2pPr>
-      <a:lvl3pPr marL="1143000" indent="-228600" algn="l" defTabSz="914400" rtl="0" eaLnBrk="1" latinLnBrk="0" hangingPunct="1">
+      <a:lvl3pPr marL="894055" indent="-178811" algn="l" defTabSz="715244" rtl="0" eaLnBrk="1" latinLnBrk="0" hangingPunct="1">
         <a:lnSpc>
           <a:spcPct val="90000"/>
         </a:lnSpc>
         <a:spcBef>
-          <a:spcPts val="500"/>
+          <a:spcPts val="391"/>
         </a:spcBef>
         <a:buFont typeface="Arial" panose="020B0604020202020204" pitchFamily="34" charset="0"/>
         <a:buChar char="•"/>
-        <a:defRPr kumimoji="1" sz="2000" kern="1200">
+        <a:defRPr kumimoji="1" sz="1564" kern="1200">
           <a:solidFill>
             <a:schemeClr val="tx1"/>
           </a:solidFill>
@@ -3032,16 +3036,16 @@
           <a:cs typeface="+mn-cs"/>
         </a:defRPr>
       </a:lvl3pPr>
-      <a:lvl4pPr marL="1600200" indent="-228600" algn="l" defTabSz="914400" rtl="0" eaLnBrk="1" latinLnBrk="0" hangingPunct="1">
+      <a:lvl4pPr marL="1251676" indent="-178811" algn="l" defTabSz="715244" rtl="0" eaLnBrk="1" latinLnBrk="0" hangingPunct="1">
         <a:lnSpc>
           <a:spcPct val="90000"/>
         </a:lnSpc>
         <a:spcBef>
-          <a:spcPts val="500"/>
+          <a:spcPts val="391"/>
         </a:spcBef>
         <a:buFont typeface="Arial" panose="020B0604020202020204" pitchFamily="34" charset="0"/>
         <a:buChar char="•"/>
-        <a:defRPr kumimoji="1" sz="1800" kern="1200">
+        <a:defRPr kumimoji="1" sz="1408" kern="1200">
           <a:solidFill>
             <a:schemeClr val="tx1"/>
           </a:solidFill>
@@ -3050,16 +3054,16 @@
           <a:cs typeface="+mn-cs"/>
         </a:defRPr>
       </a:lvl4pPr>
-      <a:lvl5pPr marL="2057400" indent="-228600" algn="l" defTabSz="914400" rtl="0" eaLnBrk="1" latinLnBrk="0" hangingPunct="1">
+      <a:lvl5pPr marL="1609298" indent="-178811" algn="l" defTabSz="715244" rtl="0" eaLnBrk="1" latinLnBrk="0" hangingPunct="1">
         <a:lnSpc>
           <a:spcPct val="90000"/>
         </a:lnSpc>
         <a:spcBef>
-          <a:spcPts val="500"/>
+          <a:spcPts val="391"/>
         </a:spcBef>
         <a:buFont typeface="Arial" panose="020B0604020202020204" pitchFamily="34" charset="0"/>
         <a:buChar char="•"/>
-        <a:defRPr kumimoji="1" sz="1800" kern="1200">
+        <a:defRPr kumimoji="1" sz="1408" kern="1200">
           <a:solidFill>
             <a:schemeClr val="tx1"/>
           </a:solidFill>
@@ -3068,16 +3072,16 @@
           <a:cs typeface="+mn-cs"/>
         </a:defRPr>
       </a:lvl5pPr>
-      <a:lvl6pPr marL="2514600" indent="-228600" algn="l" defTabSz="914400" rtl="0" eaLnBrk="1" latinLnBrk="0" hangingPunct="1">
+      <a:lvl6pPr marL="1966920" indent="-178811" algn="l" defTabSz="715244" rtl="0" eaLnBrk="1" latinLnBrk="0" hangingPunct="1">
         <a:lnSpc>
           <a:spcPct val="90000"/>
         </a:lnSpc>
         <a:spcBef>
-          <a:spcPts val="500"/>
+          <a:spcPts val="391"/>
         </a:spcBef>
         <a:buFont typeface="Arial" panose="020B0604020202020204" pitchFamily="34" charset="0"/>
         <a:buChar char="•"/>
-        <a:defRPr kumimoji="1" sz="1800" kern="1200">
+        <a:defRPr kumimoji="1" sz="1408" kern="1200">
           <a:solidFill>
             <a:schemeClr val="tx1"/>
           </a:solidFill>
@@ -3086,16 +3090,16 @@
           <a:cs typeface="+mn-cs"/>
         </a:defRPr>
       </a:lvl6pPr>
-      <a:lvl7pPr marL="2971800" indent="-228600" algn="l" defTabSz="914400" rtl="0" eaLnBrk="1" latinLnBrk="0" hangingPunct="1">
+      <a:lvl7pPr marL="2324542" indent="-178811" algn="l" defTabSz="715244" rtl="0" eaLnBrk="1" latinLnBrk="0" hangingPunct="1">
         <a:lnSpc>
           <a:spcPct val="90000"/>
         </a:lnSpc>
         <a:spcBef>
-          <a:spcPts val="500"/>
+          <a:spcPts val="391"/>
         </a:spcBef>
         <a:buFont typeface="Arial" panose="020B0604020202020204" pitchFamily="34" charset="0"/>
         <a:buChar char="•"/>
-        <a:defRPr kumimoji="1" sz="1800" kern="1200">
+        <a:defRPr kumimoji="1" sz="1408" kern="1200">
           <a:solidFill>
             <a:schemeClr val="tx1"/>
           </a:solidFill>
@@ -3104,16 +3108,16 @@
           <a:cs typeface="+mn-cs"/>
         </a:defRPr>
       </a:lvl7pPr>
-      <a:lvl8pPr marL="3429000" indent="-228600" algn="l" defTabSz="914400" rtl="0" eaLnBrk="1" latinLnBrk="0" hangingPunct="1">
+      <a:lvl8pPr marL="2682164" indent="-178811" algn="l" defTabSz="715244" rtl="0" eaLnBrk="1" latinLnBrk="0" hangingPunct="1">
         <a:lnSpc>
           <a:spcPct val="90000"/>
         </a:lnSpc>
         <a:spcBef>
-          <a:spcPts val="500"/>
+          <a:spcPts val="391"/>
         </a:spcBef>
         <a:buFont typeface="Arial" panose="020B0604020202020204" pitchFamily="34" charset="0"/>
         <a:buChar char="•"/>
-        <a:defRPr kumimoji="1" sz="1800" kern="1200">
+        <a:defRPr kumimoji="1" sz="1408" kern="1200">
           <a:solidFill>
             <a:schemeClr val="tx1"/>
           </a:solidFill>
@@ -3122,16 +3126,16 @@
           <a:cs typeface="+mn-cs"/>
         </a:defRPr>
       </a:lvl8pPr>
-      <a:lvl9pPr marL="3886200" indent="-228600" algn="l" defTabSz="914400" rtl="0" eaLnBrk="1" latinLnBrk="0" hangingPunct="1">
+      <a:lvl9pPr marL="3039786" indent="-178811" algn="l" defTabSz="715244" rtl="0" eaLnBrk="1" latinLnBrk="0" hangingPunct="1">
         <a:lnSpc>
           <a:spcPct val="90000"/>
         </a:lnSpc>
         <a:spcBef>
-          <a:spcPts val="500"/>
+          <a:spcPts val="391"/>
         </a:spcBef>
         <a:buFont typeface="Arial" panose="020B0604020202020204" pitchFamily="34" charset="0"/>
         <a:buChar char="•"/>
-        <a:defRPr kumimoji="1" sz="1800" kern="1200">
+        <a:defRPr kumimoji="1" sz="1408" kern="1200">
           <a:solidFill>
             <a:schemeClr val="tx1"/>
           </a:solidFill>
@@ -3143,10 +3147,10 @@
     </p:bodyStyle>
     <p:otherStyle>
       <a:defPPr>
-        <a:defRPr lang="ja-JP"/>
+        <a:defRPr lang="en-US"/>
       </a:defPPr>
-      <a:lvl1pPr marL="0" algn="l" defTabSz="914400" rtl="0" eaLnBrk="1" latinLnBrk="0" hangingPunct="1">
-        <a:defRPr kumimoji="1" sz="1800" kern="1200">
+      <a:lvl1pPr marL="0" algn="l" defTabSz="715244" rtl="0" eaLnBrk="1" latinLnBrk="0" hangingPunct="1">
+        <a:defRPr kumimoji="1" sz="1408" kern="1200">
           <a:solidFill>
             <a:schemeClr val="tx1"/>
           </a:solidFill>
@@ -3155,8 +3159,8 @@
           <a:cs typeface="+mn-cs"/>
         </a:defRPr>
       </a:lvl1pPr>
-      <a:lvl2pPr marL="457200" algn="l" defTabSz="914400" rtl="0" eaLnBrk="1" latinLnBrk="0" hangingPunct="1">
-        <a:defRPr kumimoji="1" sz="1800" kern="1200">
+      <a:lvl2pPr marL="357622" algn="l" defTabSz="715244" rtl="0" eaLnBrk="1" latinLnBrk="0" hangingPunct="1">
+        <a:defRPr kumimoji="1" sz="1408" kern="1200">
           <a:solidFill>
             <a:schemeClr val="tx1"/>
           </a:solidFill>
@@ -3165,8 +3169,8 @@
           <a:cs typeface="+mn-cs"/>
         </a:defRPr>
       </a:lvl2pPr>
-      <a:lvl3pPr marL="914400" algn="l" defTabSz="914400" rtl="0" eaLnBrk="1" latinLnBrk="0" hangingPunct="1">
-        <a:defRPr kumimoji="1" sz="1800" kern="1200">
+      <a:lvl3pPr marL="715244" algn="l" defTabSz="715244" rtl="0" eaLnBrk="1" latinLnBrk="0" hangingPunct="1">
+        <a:defRPr kumimoji="1" sz="1408" kern="1200">
           <a:solidFill>
             <a:schemeClr val="tx1"/>
           </a:solidFill>
@@ -3175,8 +3179,8 @@
           <a:cs typeface="+mn-cs"/>
         </a:defRPr>
       </a:lvl3pPr>
-      <a:lvl4pPr marL="1371600" algn="l" defTabSz="914400" rtl="0" eaLnBrk="1" latinLnBrk="0" hangingPunct="1">
-        <a:defRPr kumimoji="1" sz="1800" kern="1200">
+      <a:lvl4pPr marL="1072866" algn="l" defTabSz="715244" rtl="0" eaLnBrk="1" latinLnBrk="0" hangingPunct="1">
+        <a:defRPr kumimoji="1" sz="1408" kern="1200">
           <a:solidFill>
             <a:schemeClr val="tx1"/>
           </a:solidFill>
@@ -3185,8 +3189,8 @@
           <a:cs typeface="+mn-cs"/>
         </a:defRPr>
       </a:lvl4pPr>
-      <a:lvl5pPr marL="1828800" algn="l" defTabSz="914400" rtl="0" eaLnBrk="1" latinLnBrk="0" hangingPunct="1">
-        <a:defRPr kumimoji="1" sz="1800" kern="1200">
+      <a:lvl5pPr marL="1430487" algn="l" defTabSz="715244" rtl="0" eaLnBrk="1" latinLnBrk="0" hangingPunct="1">
+        <a:defRPr kumimoji="1" sz="1408" kern="1200">
           <a:solidFill>
             <a:schemeClr val="tx1"/>
           </a:solidFill>
@@ -3195,8 +3199,8 @@
           <a:cs typeface="+mn-cs"/>
         </a:defRPr>
       </a:lvl5pPr>
-      <a:lvl6pPr marL="2286000" algn="l" defTabSz="914400" rtl="0" eaLnBrk="1" latinLnBrk="0" hangingPunct="1">
-        <a:defRPr kumimoji="1" sz="1800" kern="1200">
+      <a:lvl6pPr marL="1788109" algn="l" defTabSz="715244" rtl="0" eaLnBrk="1" latinLnBrk="0" hangingPunct="1">
+        <a:defRPr kumimoji="1" sz="1408" kern="1200">
           <a:solidFill>
             <a:schemeClr val="tx1"/>
           </a:solidFill>
@@ -3205,8 +3209,8 @@
           <a:cs typeface="+mn-cs"/>
         </a:defRPr>
       </a:lvl6pPr>
-      <a:lvl7pPr marL="2743200" algn="l" defTabSz="914400" rtl="0" eaLnBrk="1" latinLnBrk="0" hangingPunct="1">
-        <a:defRPr kumimoji="1" sz="1800" kern="1200">
+      <a:lvl7pPr marL="2145731" algn="l" defTabSz="715244" rtl="0" eaLnBrk="1" latinLnBrk="0" hangingPunct="1">
+        <a:defRPr kumimoji="1" sz="1408" kern="1200">
           <a:solidFill>
             <a:schemeClr val="tx1"/>
           </a:solidFill>
@@ -3215,8 +3219,8 @@
           <a:cs typeface="+mn-cs"/>
         </a:defRPr>
       </a:lvl7pPr>
-      <a:lvl8pPr marL="3200400" algn="l" defTabSz="914400" rtl="0" eaLnBrk="1" latinLnBrk="0" hangingPunct="1">
-        <a:defRPr kumimoji="1" sz="1800" kern="1200">
+      <a:lvl8pPr marL="2503353" algn="l" defTabSz="715244" rtl="0" eaLnBrk="1" latinLnBrk="0" hangingPunct="1">
+        <a:defRPr kumimoji="1" sz="1408" kern="1200">
           <a:solidFill>
             <a:schemeClr val="tx1"/>
           </a:solidFill>
@@ -3225,8 +3229,8 @@
           <a:cs typeface="+mn-cs"/>
         </a:defRPr>
       </a:lvl8pPr>
-      <a:lvl9pPr marL="3657600" algn="l" defTabSz="914400" rtl="0" eaLnBrk="1" latinLnBrk="0" hangingPunct="1">
-        <a:defRPr kumimoji="1" sz="1800" kern="1200">
+      <a:lvl9pPr marL="2860975" algn="l" defTabSz="715244" rtl="0" eaLnBrk="1" latinLnBrk="0" hangingPunct="1">
+        <a:defRPr kumimoji="1" sz="1408" kern="1200">
           <a:solidFill>
             <a:schemeClr val="tx1"/>
           </a:solidFill>
@@ -3265,7 +3269,7 @@
         </p:nvSpPr>
         <p:spPr>
           <a:xfrm>
-            <a:off x="3432747" y="554636"/>
+            <a:off x="3432748" y="645917"/>
             <a:ext cx="8574373" cy="1184224"/>
           </a:xfrm>
           <a:prstGeom prst="rect">
@@ -3300,7 +3304,7 @@
           <a:lstStyle/>
           <a:p>
             <a:pPr algn="ctr"/>
-            <a:endParaRPr kumimoji="1" lang="ja-JP" altLang="en-US"/>
+            <a:endParaRPr lang="ja-JP" altLang="en-US"/>
           </a:p>
         </p:txBody>
       </p:sp>
@@ -3313,13 +3317,13 @@
           <p:nvPr>
             <p:extLst>
               <p:ext uri="{D42A27DB-BD31-4B8C-83A1-F6EECF244321}">
-                <p14:modId xmlns:p14="http://schemas.microsoft.com/office/powerpoint/2010/main" val="3203638858"/>
+                <p14:modId xmlns:p14="http://schemas.microsoft.com/office/powerpoint/2010/main" val="3111767312"/>
               </p:ext>
             </p:extLst>
           </p:nvPr>
         </p:nvGraphicFramePr>
         <p:xfrm>
-          <a:off x="3662496" y="692280"/>
+          <a:off x="3662496" y="783561"/>
           <a:ext cx="8128002" cy="911666"/>
         </p:xfrm>
         <a:graphic>
@@ -3493,7 +3497,7 @@
         </p:nvSpPr>
         <p:spPr>
           <a:xfrm>
-            <a:off x="3552668" y="-43718"/>
+            <a:off x="3320322" y="-10226"/>
             <a:ext cx="2026359" cy="692281"/>
           </a:xfrm>
           <a:prstGeom prst="rect">
@@ -3526,7 +3530,7 @@
           <a:p>
             <a:pPr algn="ctr"/>
             <a:r>
-              <a:rPr kumimoji="1" lang="en-US" altLang="ja-JP" sz="2800" dirty="0" smtClean="0">
+              <a:rPr lang="en-US" altLang="ja-JP" sz="2800" dirty="0">
                 <a:solidFill>
                   <a:schemeClr val="tx1"/>
                 </a:solidFill>
@@ -3535,7 +3539,7 @@
               </a:rPr>
               <a:t>First Level</a:t>
             </a:r>
-            <a:endParaRPr kumimoji="1" lang="ja-JP" altLang="en-US" sz="2800" dirty="0">
+            <a:endParaRPr lang="ja-JP" altLang="en-US" sz="2800" dirty="0">
               <a:solidFill>
                 <a:schemeClr val="tx1"/>
               </a:solidFill>
@@ -3553,8 +3557,8 @@
         </p:nvSpPr>
         <p:spPr>
           <a:xfrm>
-            <a:off x="3432747" y="2518575"/>
-            <a:ext cx="8574374" cy="4166367"/>
+            <a:off x="3432747" y="2515462"/>
+            <a:ext cx="8574374" cy="2756581"/>
           </a:xfrm>
           <a:prstGeom prst="rect">
             <a:avLst/>
@@ -3588,7 +3592,7 @@
           <a:lstStyle/>
           <a:p>
             <a:pPr algn="ctr"/>
-            <a:endParaRPr kumimoji="1" lang="ja-JP" altLang="en-US"/>
+            <a:endParaRPr lang="ja-JP" altLang="en-US"/>
           </a:p>
         </p:txBody>
       </p:sp>
@@ -3601,14 +3605,14 @@
           <p:nvPr>
             <p:extLst>
               <p:ext uri="{D42A27DB-BD31-4B8C-83A1-F6EECF244321}">
-                <p14:modId xmlns:p14="http://schemas.microsoft.com/office/powerpoint/2010/main" val="3116892897"/>
+                <p14:modId xmlns:p14="http://schemas.microsoft.com/office/powerpoint/2010/main" val="3119779305"/>
               </p:ext>
             </p:extLst>
           </p:nvPr>
         </p:nvGraphicFramePr>
         <p:xfrm>
-          <a:off x="4736893" y="5474371"/>
-          <a:ext cx="6670624" cy="911666"/>
+          <a:off x="4736893" y="4613152"/>
+          <a:ext cx="6670624" cy="518160"/>
         </p:xfrm>
         <a:graphic>
           <a:graphicData uri="http://schemas.openxmlformats.org/drawingml/2006/table">
@@ -3646,7 +3650,7 @@
                   </a:extLst>
                 </a:gridCol>
               </a:tblGrid>
-              <a:tr h="911666">
+              <a:tr h="504167">
                 <a:tc>
                   <a:txBody>
                     <a:bodyPr/>
@@ -3733,7 +3737,7 @@
         </p:nvSpPr>
         <p:spPr>
           <a:xfrm>
-            <a:off x="3552668" y="1880737"/>
+            <a:off x="3320322" y="1886146"/>
             <a:ext cx="2518349" cy="692281"/>
           </a:xfrm>
           <a:prstGeom prst="rect">
@@ -3766,7 +3770,7 @@
           <a:p>
             <a:pPr algn="ctr"/>
             <a:r>
-              <a:rPr kumimoji="1" lang="en-US" altLang="ja-JP" sz="2800" dirty="0" smtClean="0">
+              <a:rPr lang="en-US" altLang="ja-JP" sz="2800" dirty="0">
                 <a:solidFill>
                   <a:schemeClr val="tx1"/>
                 </a:solidFill>
@@ -3775,7 +3779,7 @@
               </a:rPr>
               <a:t>Second Level</a:t>
             </a:r>
-            <a:endParaRPr kumimoji="1" lang="ja-JP" altLang="en-US" sz="2800" dirty="0">
+            <a:endParaRPr lang="ja-JP" altLang="en-US" sz="2800" dirty="0">
               <a:solidFill>
                 <a:schemeClr val="tx1"/>
               </a:solidFill>
@@ -3794,14 +3798,14 @@
           <p:nvPr>
             <p:extLst>
               <p:ext uri="{D42A27DB-BD31-4B8C-83A1-F6EECF244321}">
-                <p14:modId xmlns:p14="http://schemas.microsoft.com/office/powerpoint/2010/main" val="761325021"/>
+                <p14:modId xmlns:p14="http://schemas.microsoft.com/office/powerpoint/2010/main" val="3417674608"/>
               </p:ext>
             </p:extLst>
           </p:nvPr>
         </p:nvGraphicFramePr>
         <p:xfrm>
-          <a:off x="4736893" y="4437093"/>
-          <a:ext cx="6670624" cy="911666"/>
+          <a:off x="4736893" y="3861625"/>
+          <a:ext cx="6670624" cy="518160"/>
         </p:xfrm>
         <a:graphic>
           <a:graphicData uri="http://schemas.openxmlformats.org/drawingml/2006/table">
@@ -3839,7 +3843,7 @@
                   </a:extLst>
                 </a:gridCol>
               </a:tblGrid>
-              <a:tr h="911666">
+              <a:tr h="510408">
                 <a:tc>
                   <a:txBody>
                     <a:bodyPr/>
@@ -3927,14 +3931,14 @@
           <p:nvPr>
             <p:extLst>
               <p:ext uri="{D42A27DB-BD31-4B8C-83A1-F6EECF244321}">
-                <p14:modId xmlns:p14="http://schemas.microsoft.com/office/powerpoint/2010/main" val="3636586053"/>
+                <p14:modId xmlns:p14="http://schemas.microsoft.com/office/powerpoint/2010/main" val="1205910074"/>
               </p:ext>
             </p:extLst>
           </p:nvPr>
         </p:nvGraphicFramePr>
         <p:xfrm>
-          <a:off x="4736893" y="3068319"/>
-          <a:ext cx="6670624" cy="911666"/>
+          <a:off x="4736893" y="2873851"/>
+          <a:ext cx="6670624" cy="525450"/>
         </p:xfrm>
         <a:graphic>
           <a:graphicData uri="http://schemas.openxmlformats.org/drawingml/2006/table">
@@ -3972,7 +3976,7 @@
                   </a:extLst>
                 </a:gridCol>
               </a:tblGrid>
-              <a:tr h="911666">
+              <a:tr h="525450">
                 <a:tc>
                   <a:txBody>
                     <a:bodyPr/>
@@ -4059,7 +4063,7 @@
         </p:nvSpPr>
         <p:spPr>
           <a:xfrm>
-            <a:off x="9347101" y="3922359"/>
+            <a:off x="9347106" y="3299270"/>
             <a:ext cx="2443397" cy="692281"/>
           </a:xfrm>
           <a:prstGeom prst="rect">
@@ -4092,7 +4096,7 @@
           <a:p>
             <a:pPr algn="ctr"/>
             <a:r>
-              <a:rPr kumimoji="1" lang="en-US" altLang="ja-JP" sz="2800" dirty="0" smtClean="0">
+              <a:rPr lang="en-US" altLang="ja-JP" sz="2800" dirty="0">
                 <a:solidFill>
                   <a:schemeClr val="tx1"/>
                 </a:solidFill>
@@ -4101,7 +4105,7 @@
               </a:rPr>
               <a:t>……</a:t>
             </a:r>
-            <a:endParaRPr kumimoji="1" lang="ja-JP" altLang="en-US" sz="2800" dirty="0">
+            <a:endParaRPr lang="ja-JP" altLang="en-US" sz="2800" dirty="0">
               <a:solidFill>
                 <a:schemeClr val="tx1"/>
               </a:solidFill>
@@ -4119,7 +4123,7 @@
         </p:nvSpPr>
         <p:spPr>
           <a:xfrm>
-            <a:off x="9347101" y="2570096"/>
+            <a:off x="9316392" y="2414257"/>
             <a:ext cx="2443397" cy="692281"/>
           </a:xfrm>
           <a:prstGeom prst="rect">
@@ -4152,7 +4156,7 @@
           <a:p>
             <a:pPr algn="ctr"/>
             <a:r>
-              <a:rPr kumimoji="1" lang="en-US" altLang="ja-JP" sz="2800" dirty="0" smtClean="0">
+              <a:rPr lang="en-US" altLang="ja-JP" sz="2800" dirty="0">
                 <a:solidFill>
                   <a:schemeClr val="tx1"/>
                 </a:solidFill>
@@ -4161,7 +4165,7 @@
               </a:rPr>
               <a:t>……</a:t>
             </a:r>
-            <a:endParaRPr kumimoji="1" lang="ja-JP" altLang="en-US" sz="2800" dirty="0">
+            <a:endParaRPr lang="ja-JP" altLang="en-US" sz="2800" dirty="0">
               <a:solidFill>
                 <a:schemeClr val="tx1"/>
               </a:solidFill>
@@ -4174,20 +4178,18 @@
       <p:cxnSp>
         <p:nvCxnSpPr>
           <p:cNvPr id="28" name="曲線コネクタ 27"/>
-          <p:cNvCxnSpPr>
-            <a:endCxn id="21" idx="3"/>
-          </p:cNvCxnSpPr>
+          <p:cNvCxnSpPr/>
           <p:nvPr/>
         </p:nvCxnSpPr>
         <p:spPr>
           <a:xfrm rot="16200000" flipH="1">
-            <a:off x="9109478" y="3632165"/>
-            <a:ext cx="4326256" cy="269822"/>
+            <a:off x="9749809" y="3083536"/>
+            <a:ext cx="3050394" cy="269821"/>
           </a:xfrm>
           <a:prstGeom prst="curvedConnector4">
             <a:avLst>
-              <a:gd name="adj1" fmla="val 13430"/>
-              <a:gd name="adj2" fmla="val 275412"/>
+              <a:gd name="adj1" fmla="val 15776"/>
+              <a:gd name="adj2" fmla="val 272976"/>
             </a:avLst>
           </a:prstGeom>
           <a:ln w="25400">
@@ -4218,20 +4220,18 @@
       <p:cxnSp>
         <p:nvCxnSpPr>
           <p:cNvPr id="32" name="曲線コネクタ 31"/>
-          <p:cNvCxnSpPr>
-            <a:endCxn id="23" idx="3"/>
-          </p:cNvCxnSpPr>
+          <p:cNvCxnSpPr/>
           <p:nvPr/>
         </p:nvCxnSpPr>
         <p:spPr>
           <a:xfrm rot="16200000" flipH="1">
-            <a:off x="8937712" y="2423121"/>
-            <a:ext cx="3290692" cy="1648917"/>
+            <a:off x="9399587" y="2025264"/>
+            <a:ext cx="2336968" cy="1678893"/>
           </a:xfrm>
           <a:prstGeom prst="curvedConnector4">
             <a:avLst>
-              <a:gd name="adj1" fmla="val 21343"/>
-              <a:gd name="adj2" fmla="val 114645"/>
+              <a:gd name="adj1" fmla="val 29784"/>
+              <a:gd name="adj2" fmla="val 113616"/>
             </a:avLst>
           </a:prstGeom>
           <a:ln w="25400">
@@ -4259,49 +4259,6 @@
           </a:fontRef>
         </p:style>
       </p:cxnSp>
-      <p:cxnSp>
-        <p:nvCxnSpPr>
-          <p:cNvPr id="42" name="曲線コネクタ 41"/>
-          <p:cNvCxnSpPr>
-            <a:endCxn id="24" idx="0"/>
-          </p:cNvCxnSpPr>
-          <p:nvPr/>
-        </p:nvCxnSpPr>
-        <p:spPr>
-          <a:xfrm rot="16200000" flipH="1">
-            <a:off x="6851982" y="1848096"/>
-            <a:ext cx="1466086" cy="974359"/>
-          </a:xfrm>
-          <a:prstGeom prst="curvedConnector3">
-            <a:avLst>
-              <a:gd name="adj1" fmla="val 50000"/>
-            </a:avLst>
-          </a:prstGeom>
-          <a:ln w="25400">
-            <a:solidFill>
-              <a:schemeClr val="bg1">
-                <a:lumMod val="50000"/>
-              </a:schemeClr>
-            </a:solidFill>
-            <a:headEnd type="oval" w="lg" len="lg"/>
-            <a:tailEnd type="triangle" w="lg" len="lg"/>
-          </a:ln>
-        </p:spPr>
-        <p:style>
-          <a:lnRef idx="1">
-            <a:schemeClr val="accent1"/>
-          </a:lnRef>
-          <a:fillRef idx="0">
-            <a:schemeClr val="accent1"/>
-          </a:fillRef>
-          <a:effectRef idx="0">
-            <a:schemeClr val="accent1"/>
-          </a:effectRef>
-          <a:fontRef idx="minor">
-            <a:schemeClr val="tx1"/>
-          </a:fontRef>
-        </p:style>
-      </p:cxnSp>
       <p:sp>
         <p:nvSpPr>
           <p:cNvPr id="50" name="正方形/長方形 49"/>
@@ -4310,8 +4267,8 @@
         </p:nvSpPr>
         <p:spPr>
           <a:xfrm>
-            <a:off x="194875" y="1475835"/>
-            <a:ext cx="3005526" cy="5209108"/>
+            <a:off x="194875" y="728916"/>
+            <a:ext cx="3005526" cy="4454369"/>
           </a:xfrm>
           <a:prstGeom prst="rect">
             <a:avLst/>
@@ -4345,7 +4302,7 @@
           <a:lstStyle/>
           <a:p>
             <a:pPr algn="ctr"/>
-            <a:endParaRPr kumimoji="1" lang="ja-JP" altLang="en-US"/>
+            <a:endParaRPr lang="ja-JP" altLang="en-US"/>
           </a:p>
         </p:txBody>
       </p:sp>
@@ -4357,7 +4314,7 @@
         </p:nvSpPr>
         <p:spPr>
           <a:xfrm>
-            <a:off x="0" y="783553"/>
+            <a:off x="0" y="36639"/>
             <a:ext cx="2668250" cy="692281"/>
           </a:xfrm>
           <a:prstGeom prst="rect">
@@ -4390,7 +4347,7 @@
           <a:p>
             <a:pPr algn="ctr"/>
             <a:r>
-              <a:rPr kumimoji="1" lang="en-US" altLang="ja-JP" sz="2800" dirty="0" smtClean="0">
+              <a:rPr lang="en-US" altLang="ja-JP" sz="2800" dirty="0">
                 <a:solidFill>
                   <a:schemeClr val="tx1"/>
                 </a:solidFill>
@@ -4399,7 +4356,7 @@
               </a:rPr>
               <a:t>Free Blocks</a:t>
             </a:r>
-            <a:endParaRPr kumimoji="1" lang="ja-JP" altLang="en-US" sz="2800" dirty="0">
+            <a:endParaRPr lang="ja-JP" altLang="en-US" sz="2800" dirty="0">
               <a:solidFill>
                 <a:schemeClr val="tx1"/>
               </a:solidFill>
@@ -4417,7 +4374,7 @@
         </p:nvSpPr>
         <p:spPr>
           <a:xfrm>
-            <a:off x="1736141" y="2790824"/>
+            <a:off x="1736146" y="2234410"/>
             <a:ext cx="1323247" cy="692281"/>
           </a:xfrm>
           <a:prstGeom prst="rect">
@@ -4459,19 +4416,9 @@
                 <a:latin typeface="メイリオ" panose="020B0604030504040204" pitchFamily="50" charset="-128"/>
                 <a:ea typeface="メイリオ" panose="020B0604030504040204" pitchFamily="50" charset="-128"/>
               </a:rPr>
-              <a:t>10</a:t>
-            </a:r>
-            <a:r>
-              <a:rPr kumimoji="1" lang="en-US" altLang="ja-JP" sz="2800" dirty="0" smtClean="0">
-                <a:solidFill>
-                  <a:schemeClr val="tx1"/>
-                </a:solidFill>
-                <a:latin typeface="メイリオ" panose="020B0604030504040204" pitchFamily="50" charset="-128"/>
-                <a:ea typeface="メイリオ" panose="020B0604030504040204" pitchFamily="50" charset="-128"/>
-              </a:rPr>
-              <a:t>9b</a:t>
-            </a:r>
-            <a:endParaRPr kumimoji="1" lang="ja-JP" altLang="en-US" sz="2800" dirty="0">
+              <a:t>129b</a:t>
+            </a:r>
+            <a:endParaRPr lang="ja-JP" altLang="en-US" sz="2800" dirty="0">
               <a:solidFill>
                 <a:schemeClr val="tx1"/>
               </a:solidFill>
@@ -4489,7 +4436,7 @@
         </p:nvSpPr>
         <p:spPr>
           <a:xfrm>
-            <a:off x="421717" y="2030557"/>
+            <a:off x="421722" y="1283643"/>
             <a:ext cx="1323247" cy="692281"/>
           </a:xfrm>
           <a:prstGeom prst="rect">
@@ -4524,16 +4471,16 @@
           <a:p>
             <a:pPr algn="ctr"/>
             <a:r>
-              <a:rPr kumimoji="1" lang="en-US" altLang="ja-JP" sz="2800" dirty="0" smtClean="0">
+              <a:rPr lang="en-US" altLang="ja-JP" sz="2800" dirty="0" smtClean="0">
                 <a:solidFill>
                   <a:schemeClr val="tx1"/>
                 </a:solidFill>
                 <a:latin typeface="メイリオ" panose="020B0604030504040204" pitchFamily="50" charset="-128"/>
                 <a:ea typeface="メイリオ" panose="020B0604030504040204" pitchFamily="50" charset="-128"/>
               </a:rPr>
-              <a:t>104b</a:t>
-            </a:r>
-            <a:endParaRPr kumimoji="1" lang="ja-JP" altLang="en-US" sz="2800" dirty="0">
+              <a:t>131b</a:t>
+            </a:r>
+            <a:endParaRPr lang="ja-JP" altLang="en-US" sz="2800" dirty="0">
               <a:solidFill>
                 <a:schemeClr val="tx1"/>
               </a:solidFill>
@@ -4551,7 +4498,7 @@
         </p:nvSpPr>
         <p:spPr>
           <a:xfrm>
-            <a:off x="1699994" y="4745231"/>
+            <a:off x="1699999" y="3998317"/>
             <a:ext cx="1323247" cy="692281"/>
           </a:xfrm>
           <a:prstGeom prst="rect">
@@ -4586,26 +4533,16 @@
           <a:p>
             <a:pPr algn="ctr"/>
             <a:r>
-              <a:rPr lang="en-US" altLang="ja-JP" sz="2800" dirty="0" smtClean="0">
+              <a:rPr lang="en-US" altLang="ja-JP" sz="2800" dirty="0">
                 <a:solidFill>
                   <a:schemeClr val="tx1"/>
                 </a:solidFill>
                 <a:latin typeface="メイリオ" panose="020B0604030504040204" pitchFamily="50" charset="-128"/>
                 <a:ea typeface="メイリオ" panose="020B0604030504040204" pitchFamily="50" charset="-128"/>
               </a:rPr>
-              <a:t>38</a:t>
-            </a:r>
-            <a:r>
-              <a:rPr kumimoji="1" lang="en-US" altLang="ja-JP" sz="2800" dirty="0" smtClean="0">
-                <a:solidFill>
-                  <a:schemeClr val="tx1"/>
-                </a:solidFill>
-                <a:latin typeface="メイリオ" panose="020B0604030504040204" pitchFamily="50" charset="-128"/>
-                <a:ea typeface="メイリオ" panose="020B0604030504040204" pitchFamily="50" charset="-128"/>
-              </a:rPr>
-              <a:t>b</a:t>
-            </a:r>
-            <a:endParaRPr kumimoji="1" lang="ja-JP" altLang="en-US" sz="2800" dirty="0">
+              <a:t>41b</a:t>
+            </a:r>
+            <a:endParaRPr lang="ja-JP" altLang="en-US" sz="2800" dirty="0">
               <a:solidFill>
                 <a:schemeClr val="tx1"/>
               </a:solidFill>
@@ -4623,7 +4560,7 @@
         </p:nvSpPr>
         <p:spPr>
           <a:xfrm>
-            <a:off x="425465" y="3833565"/>
+            <a:off x="425470" y="3086651"/>
             <a:ext cx="1323247" cy="692281"/>
           </a:xfrm>
           <a:prstGeom prst="rect">
@@ -4658,26 +4595,16 @@
           <a:p>
             <a:pPr algn="ctr"/>
             <a:r>
-              <a:rPr lang="en-US" altLang="ja-JP" sz="2800" dirty="0" smtClean="0">
+              <a:rPr lang="en-US" altLang="ja-JP" sz="2800" dirty="0">
                 <a:solidFill>
                   <a:schemeClr val="tx1"/>
                 </a:solidFill>
                 <a:latin typeface="メイリオ" panose="020B0604030504040204" pitchFamily="50" charset="-128"/>
                 <a:ea typeface="メイリオ" panose="020B0604030504040204" pitchFamily="50" charset="-128"/>
               </a:rPr>
-              <a:t>36</a:t>
-            </a:r>
-            <a:r>
-              <a:rPr kumimoji="1" lang="en-US" altLang="ja-JP" sz="2800" dirty="0" smtClean="0">
-                <a:solidFill>
-                  <a:schemeClr val="tx1"/>
-                </a:solidFill>
-                <a:latin typeface="メイリオ" panose="020B0604030504040204" pitchFamily="50" charset="-128"/>
-                <a:ea typeface="メイリオ" panose="020B0604030504040204" pitchFamily="50" charset="-128"/>
-              </a:rPr>
-              <a:t>b</a:t>
-            </a:r>
-            <a:endParaRPr kumimoji="1" lang="ja-JP" altLang="en-US" sz="2800" dirty="0">
+              <a:t>44b</a:t>
+            </a:r>
+            <a:endParaRPr lang="ja-JP" altLang="en-US" sz="2800" dirty="0">
               <a:solidFill>
                 <a:schemeClr val="tx1"/>
               </a:solidFill>
@@ -4695,7 +4622,7 @@
         </p:nvSpPr>
         <p:spPr>
           <a:xfrm>
-            <a:off x="421716" y="2437606"/>
+            <a:off x="421721" y="1690687"/>
             <a:ext cx="209941" cy="285232"/>
           </a:xfrm>
           <a:prstGeom prst="rect">
@@ -4733,7 +4660,7 @@
           <a:lstStyle/>
           <a:p>
             <a:pPr algn="ctr"/>
-            <a:endParaRPr kumimoji="1" lang="ja-JP" altLang="en-US" sz="2800" dirty="0">
+            <a:endParaRPr lang="ja-JP" altLang="en-US" sz="2800" dirty="0">
               <a:solidFill>
                 <a:schemeClr val="tx1"/>
               </a:solidFill>
@@ -4751,7 +4678,7 @@
         </p:nvSpPr>
         <p:spPr>
           <a:xfrm>
-            <a:off x="425464" y="4240614"/>
+            <a:off x="425469" y="3493695"/>
             <a:ext cx="209941" cy="285232"/>
           </a:xfrm>
           <a:prstGeom prst="rect">
@@ -4789,7 +4716,7 @@
           <a:lstStyle/>
           <a:p>
             <a:pPr algn="ctr"/>
-            <a:endParaRPr kumimoji="1" lang="ja-JP" altLang="en-US" sz="2800" dirty="0">
+            <a:endParaRPr lang="ja-JP" altLang="en-US" sz="2800" dirty="0">
               <a:solidFill>
                 <a:schemeClr val="tx1"/>
               </a:solidFill>
@@ -4807,7 +4734,7 @@
         </p:nvSpPr>
         <p:spPr>
           <a:xfrm>
-            <a:off x="1697288" y="5152280"/>
+            <a:off x="1697293" y="4405361"/>
             <a:ext cx="209941" cy="285232"/>
           </a:xfrm>
           <a:prstGeom prst="rect">
@@ -4845,7 +4772,7 @@
           <a:lstStyle/>
           <a:p>
             <a:pPr algn="ctr"/>
-            <a:endParaRPr kumimoji="1" lang="ja-JP" altLang="en-US" sz="2800" dirty="0">
+            <a:endParaRPr lang="ja-JP" altLang="en-US" sz="2800" dirty="0">
               <a:solidFill>
                 <a:schemeClr val="tx1"/>
               </a:solidFill>
@@ -4863,7 +4790,7 @@
         </p:nvSpPr>
         <p:spPr>
           <a:xfrm>
-            <a:off x="1744964" y="3197873"/>
+            <a:off x="1744969" y="2641454"/>
             <a:ext cx="209941" cy="285232"/>
           </a:xfrm>
           <a:prstGeom prst="rect">
@@ -4901,7 +4828,7 @@
           <a:lstStyle/>
           <a:p>
             <a:pPr algn="ctr"/>
-            <a:endParaRPr kumimoji="1" lang="ja-JP" altLang="en-US" sz="2800" dirty="0">
+            <a:endParaRPr lang="ja-JP" altLang="en-US" sz="2800" dirty="0">
               <a:solidFill>
                 <a:schemeClr val="tx1"/>
               </a:solidFill>
@@ -4921,8 +4848,8 @@
         </p:nvCxnSpPr>
         <p:spPr>
           <a:xfrm rot="10800000">
-            <a:off x="1849936" y="3483105"/>
-            <a:ext cx="5420295" cy="1865654"/>
+            <a:off x="1849941" y="2926687"/>
+            <a:ext cx="3699037" cy="1453099"/>
           </a:xfrm>
           <a:prstGeom prst="curvedConnector2">
             <a:avLst/>
@@ -4963,8 +4890,8 @@
         </p:nvCxnSpPr>
         <p:spPr>
           <a:xfrm rot="16200000" flipV="1">
-            <a:off x="950794" y="2298732"/>
-            <a:ext cx="475035" cy="1323248"/>
+            <a:off x="855549" y="1647063"/>
+            <a:ext cx="665535" cy="1323248"/>
           </a:xfrm>
           <a:prstGeom prst="curvedConnector3">
             <a:avLst>
@@ -5006,8 +4933,8 @@
         </p:nvCxnSpPr>
         <p:spPr>
           <a:xfrm rot="10800000">
-            <a:off x="1802259" y="5437513"/>
-            <a:ext cx="8735832" cy="960921"/>
+            <a:off x="1802264" y="4690593"/>
+            <a:ext cx="8765806" cy="426950"/>
           </a:xfrm>
           <a:prstGeom prst="curvedConnector2">
             <a:avLst/>
@@ -5048,7 +4975,7 @@
         </p:nvCxnSpPr>
         <p:spPr>
           <a:xfrm rot="16200000" flipV="1">
-            <a:off x="853130" y="4203151"/>
+            <a:off x="853130" y="3456232"/>
             <a:ext cx="626434" cy="1271824"/>
           </a:xfrm>
           <a:prstGeom prst="curvedConnector3">
@@ -5105,7 +5032,7 @@
 <file path=ppt/theme/theme1.xml><?xml version="1.0" encoding="utf-8"?>
 <a:theme xmlns:a="http://schemas.openxmlformats.org/drawingml/2006/main" name="Office テーマ">
   <a:themeElements>
-    <a:clrScheme name="Office">
+    <a:clrScheme name="Office テーマ">
       <a:dk1>
         <a:sysClr val="windowText" lastClr="000000"/>
       </a:dk1>
@@ -5143,9 +5070,9 @@
         <a:srgbClr val="954F72"/>
       </a:folHlink>
     </a:clrScheme>
-    <a:fontScheme name="Office">
+    <a:fontScheme name="Office テーマ">
       <a:majorFont>
-        <a:latin typeface="游ゴシック Light" panose="020F0302020204030204"/>
+        <a:latin typeface="Calibri Light" panose="020F0302020204030204"/>
         <a:ea typeface=""/>
         <a:cs typeface=""/>
         <a:font script="Jpan" typeface="游ゴシック Light"/>
@@ -5180,7 +5107,7 @@
         <a:font script="Geor" typeface="Sylfaen"/>
       </a:majorFont>
       <a:minorFont>
-        <a:latin typeface="游ゴシック" panose="020F0502020204030204"/>
+        <a:latin typeface="Calibri" panose="020F0502020204030204"/>
         <a:ea typeface=""/>
         <a:cs typeface=""/>
         <a:font script="Jpan" typeface="游ゴシック"/>
@@ -5215,7 +5142,7 @@
         <a:font script="Geor" typeface="Sylfaen"/>
       </a:minorFont>
     </a:fontScheme>
-    <a:fmtScheme name="Office">
+    <a:fmtScheme name="Office テーマ">
       <a:fillStyleLst>
         <a:solidFill>
           <a:schemeClr val="phClr"/>
